--- a/深层学习入门误区.pptx
+++ b/深层学习入门误区.pptx
@@ -6,7 +6,7 @@
     <p:sldMasterId id="2147483679" r:id="rId2"/>
   </p:sldMasterIdLst>
   <p:notesMasterIdLst>
-    <p:notesMasterId r:id="rId32"/>
+    <p:notesMasterId r:id="rId33"/>
   </p:notesMasterIdLst>
   <p:sldIdLst>
     <p:sldId id="257" r:id="rId3"/>
@@ -34,10 +34,11 @@
     <p:sldId id="266" r:id="rId25"/>
     <p:sldId id="298" r:id="rId26"/>
     <p:sldId id="300" r:id="rId27"/>
-    <p:sldId id="299" r:id="rId28"/>
-    <p:sldId id="302" r:id="rId29"/>
-    <p:sldId id="273" r:id="rId30"/>
-    <p:sldId id="275" r:id="rId31"/>
+    <p:sldId id="303" r:id="rId28"/>
+    <p:sldId id="299" r:id="rId29"/>
+    <p:sldId id="302" r:id="rId30"/>
+    <p:sldId id="273" r:id="rId31"/>
+    <p:sldId id="275" r:id="rId32"/>
   </p:sldIdLst>
   <p:sldSz cx="12192000" cy="6858000"/>
   <p:notesSz cx="6858000" cy="9144000"/>
@@ -4414,7 +4415,7 @@
           <a:p>
             <a:fld id="{184EF91F-582E-49EA-A15B-FE9EF61CC46E}" type="datetimeFigureOut">
               <a:rPr lang="zh-CN" altLang="en-US" smtClean="0"/>
-              <a:t>2017/2/23</a:t>
+              <a:t>2017/2/24</a:t>
             </a:fld>
             <a:endParaRPr lang="zh-CN" altLang="en-US"/>
           </a:p>
@@ -15476,6 +15477,96 @@
           </a:p>
         </p:txBody>
       </p:sp>
+      <p:sp>
+        <p:nvSpPr>
+          <p:cNvPr id="4" name="文本框 3"/>
+          <p:cNvSpPr txBox="1"/>
+          <p:nvPr/>
+        </p:nvSpPr>
+        <p:spPr>
+          <a:xfrm>
+            <a:off x="1389530" y="4133518"/>
+            <a:ext cx="3958135" cy="966418"/>
+          </a:xfrm>
+          <a:prstGeom prst="rect">
+            <a:avLst/>
+          </a:prstGeom>
+          <a:noFill/>
+        </p:spPr>
+        <p:txBody>
+          <a:bodyPr wrap="none" rtlCol="0">
+            <a:spAutoFit/>
+          </a:bodyPr>
+          <a:lstStyle/>
+          <a:p>
+            <a:pPr>
+              <a:lnSpc>
+                <a:spcPct val="130000"/>
+              </a:lnSpc>
+              <a:spcBef>
+                <a:spcPts val="600"/>
+              </a:spcBef>
+            </a:pPr>
+            <a:r>
+              <a:rPr lang="zh-CN" altLang="en-US" sz="1200" kern="0" dirty="0">
+                <a:latin typeface="微软雅黑" panose="020B0503020204020204" pitchFamily="34" charset="-122"/>
+                <a:ea typeface="微软雅黑" panose="020B0503020204020204" pitchFamily="34" charset="-122"/>
+                <a:cs typeface="+mn-ea"/>
+                <a:sym typeface="+mn-lt"/>
+              </a:rPr>
+              <a:t>知乎直播：</a:t>
+            </a:r>
+            <a:endParaRPr lang="en-US" altLang="zh-CN" sz="1200" kern="0" dirty="0">
+              <a:latin typeface="微软雅黑" panose="020B0503020204020204" pitchFamily="34" charset="-122"/>
+              <a:ea typeface="微软雅黑" panose="020B0503020204020204" pitchFamily="34" charset="-122"/>
+              <a:cs typeface="+mn-ea"/>
+              <a:sym typeface="+mn-lt"/>
+            </a:endParaRPr>
+          </a:p>
+          <a:p>
+            <a:pPr>
+              <a:lnSpc>
+                <a:spcPct val="130000"/>
+              </a:lnSpc>
+              <a:spcBef>
+                <a:spcPts val="600"/>
+              </a:spcBef>
+            </a:pPr>
+            <a:r>
+              <a:rPr lang="en-US" altLang="zh-CN" sz="1200" kern="0" dirty="0">
+                <a:latin typeface="微软雅黑" panose="020B0503020204020204" pitchFamily="34" charset="-122"/>
+                <a:ea typeface="微软雅黑" panose="020B0503020204020204" pitchFamily="34" charset="-122"/>
+                <a:cs typeface="+mn-ea"/>
+                <a:sym typeface="+mn-lt"/>
+                <a:hlinkClick r:id="rId2"/>
+              </a:rPr>
+              <a:t>https://www.zhihu.com/lives/790184832209674240</a:t>
+            </a:r>
+            <a:endParaRPr lang="en-US" altLang="zh-CN" sz="1200" kern="0" dirty="0">
+              <a:latin typeface="微软雅黑" panose="020B0503020204020204" pitchFamily="34" charset="-122"/>
+              <a:ea typeface="微软雅黑" panose="020B0503020204020204" pitchFamily="34" charset="-122"/>
+              <a:cs typeface="+mn-ea"/>
+              <a:sym typeface="+mn-lt"/>
+            </a:endParaRPr>
+          </a:p>
+          <a:p>
+            <a:pPr>
+              <a:lnSpc>
+                <a:spcPct val="130000"/>
+              </a:lnSpc>
+              <a:spcBef>
+                <a:spcPts val="600"/>
+              </a:spcBef>
+            </a:pPr>
+            <a:endParaRPr lang="zh-CN" altLang="en-US" sz="1200" kern="0" dirty="0">
+              <a:latin typeface="微软雅黑" panose="020B0503020204020204" pitchFamily="34" charset="-122"/>
+              <a:ea typeface="微软雅黑" panose="020B0503020204020204" pitchFamily="34" charset="-122"/>
+              <a:cs typeface="+mn-ea"/>
+              <a:sym typeface="+mn-lt"/>
+            </a:endParaRPr>
+          </a:p>
+        </p:txBody>
+      </p:sp>
     </p:spTree>
     <p:extLst>
       <p:ext uri="{BB962C8B-B14F-4D97-AF65-F5344CB8AC3E}">
@@ -34133,13 +34224,13 @@
             <a:spLocks noGrp="1"/>
           </p:cNvSpPr>
           <p:nvPr>
-            <p:ph type="body" sz="quarter" idx="23"/>
+            <p:ph type="body" sz="quarter" idx="11"/>
           </p:nvPr>
         </p:nvSpPr>
         <p:spPr>
           <a:xfrm>
-            <a:off x="1640113" y="2685582"/>
-            <a:ext cx="7735535" cy="1015663"/>
+            <a:off x="3570514" y="240707"/>
+            <a:ext cx="5050972" cy="584775"/>
           </a:xfrm>
         </p:spPr>
         <p:txBody>
@@ -34148,15 +34239,1044 @@
           <a:p>
             <a:r>
               <a:rPr lang="zh-CN" altLang="en-US" dirty="0"/>
-              <a:t>如何上手</a:t>
-            </a:r>
+              <a:t>一些技术</a:t>
+            </a:r>
+          </a:p>
+        </p:txBody>
+      </p:sp>
+      <p:sp>
+        <p:nvSpPr>
+          <p:cNvPr id="6" name="Oval 5"/>
+          <p:cNvSpPr/>
+          <p:nvPr/>
+        </p:nvSpPr>
+        <p:spPr>
+          <a:xfrm>
+            <a:off x="1030515" y="1732119"/>
+            <a:ext cx="928914" cy="928914"/>
+          </a:xfrm>
+          <a:prstGeom prst="ellipse">
+            <a:avLst/>
+          </a:prstGeom>
+          <a:solidFill>
+            <a:schemeClr val="accent1"/>
+          </a:solidFill>
+          <a:ln>
+            <a:noFill/>
+          </a:ln>
+        </p:spPr>
+        <p:style>
+          <a:lnRef idx="2">
+            <a:schemeClr val="accent1">
+              <a:shade val="50000"/>
+            </a:schemeClr>
+          </a:lnRef>
+          <a:fillRef idx="1">
+            <a:schemeClr val="accent1"/>
+          </a:fillRef>
+          <a:effectRef idx="0">
+            <a:schemeClr val="accent1"/>
+          </a:effectRef>
+          <a:fontRef idx="minor">
+            <a:schemeClr val="lt1"/>
+          </a:fontRef>
+        </p:style>
+        <p:txBody>
+          <a:bodyPr rtlCol="0" anchor="ctr"/>
+          <a:lstStyle/>
+          <a:p>
+            <a:pPr algn="ctr">
+              <a:lnSpc>
+                <a:spcPct val="130000"/>
+              </a:lnSpc>
+            </a:pPr>
+            <a:r>
+              <a:rPr lang="en-US" sz="2800" b="1" dirty="0">
+                <a:latin typeface="微软雅黑" panose="020B0503020204020204" pitchFamily="34" charset="-122"/>
+                <a:ea typeface="微软雅黑" panose="020B0503020204020204" pitchFamily="34" charset="-122"/>
+              </a:rPr>
+              <a:t>01</a:t>
+            </a:r>
+          </a:p>
+        </p:txBody>
+      </p:sp>
+      <p:sp>
+        <p:nvSpPr>
+          <p:cNvPr id="7" name="Oval 6"/>
+          <p:cNvSpPr/>
+          <p:nvPr/>
+        </p:nvSpPr>
+        <p:spPr>
+          <a:xfrm>
+            <a:off x="6197600" y="1732119"/>
+            <a:ext cx="928914" cy="928914"/>
+          </a:xfrm>
+          <a:prstGeom prst="ellipse">
+            <a:avLst/>
+          </a:prstGeom>
+          <a:solidFill>
+            <a:schemeClr val="accent1"/>
+          </a:solidFill>
+          <a:ln>
+            <a:noFill/>
+          </a:ln>
+        </p:spPr>
+        <p:style>
+          <a:lnRef idx="2">
+            <a:schemeClr val="accent1">
+              <a:shade val="50000"/>
+            </a:schemeClr>
+          </a:lnRef>
+          <a:fillRef idx="1">
+            <a:schemeClr val="accent1"/>
+          </a:fillRef>
+          <a:effectRef idx="0">
+            <a:schemeClr val="accent1"/>
+          </a:effectRef>
+          <a:fontRef idx="minor">
+            <a:schemeClr val="lt1"/>
+          </a:fontRef>
+        </p:style>
+        <p:txBody>
+          <a:bodyPr rtlCol="0" anchor="ctr"/>
+          <a:lstStyle/>
+          <a:p>
+            <a:pPr algn="ctr">
+              <a:lnSpc>
+                <a:spcPct val="130000"/>
+              </a:lnSpc>
+            </a:pPr>
+            <a:r>
+              <a:rPr lang="en-US" sz="2800" b="1" dirty="0">
+                <a:latin typeface="微软雅黑" panose="020B0503020204020204" pitchFamily="34" charset="-122"/>
+                <a:ea typeface="微软雅黑" panose="020B0503020204020204" pitchFamily="34" charset="-122"/>
+              </a:rPr>
+              <a:t>02</a:t>
+            </a:r>
+          </a:p>
+        </p:txBody>
+      </p:sp>
+      <p:sp>
+        <p:nvSpPr>
+          <p:cNvPr id="9" name="Oval 8"/>
+          <p:cNvSpPr/>
+          <p:nvPr/>
+        </p:nvSpPr>
+        <p:spPr>
+          <a:xfrm>
+            <a:off x="1030515" y="3077813"/>
+            <a:ext cx="928914" cy="928914"/>
+          </a:xfrm>
+          <a:prstGeom prst="ellipse">
+            <a:avLst/>
+          </a:prstGeom>
+          <a:solidFill>
+            <a:schemeClr val="accent1"/>
+          </a:solidFill>
+          <a:ln>
+            <a:noFill/>
+          </a:ln>
+        </p:spPr>
+        <p:style>
+          <a:lnRef idx="2">
+            <a:schemeClr val="accent1">
+              <a:shade val="50000"/>
+            </a:schemeClr>
+          </a:lnRef>
+          <a:fillRef idx="1">
+            <a:schemeClr val="accent1"/>
+          </a:fillRef>
+          <a:effectRef idx="0">
+            <a:schemeClr val="accent1"/>
+          </a:effectRef>
+          <a:fontRef idx="minor">
+            <a:schemeClr val="lt1"/>
+          </a:fontRef>
+        </p:style>
+        <p:txBody>
+          <a:bodyPr rtlCol="0" anchor="ctr"/>
+          <a:lstStyle/>
+          <a:p>
+            <a:pPr algn="ctr">
+              <a:lnSpc>
+                <a:spcPct val="130000"/>
+              </a:lnSpc>
+            </a:pPr>
+            <a:r>
+              <a:rPr lang="en-US" sz="2800" b="1" dirty="0">
+                <a:latin typeface="微软雅黑" panose="020B0503020204020204" pitchFamily="34" charset="-122"/>
+                <a:ea typeface="微软雅黑" panose="020B0503020204020204" pitchFamily="34" charset="-122"/>
+              </a:rPr>
+              <a:t>03</a:t>
+            </a:r>
+          </a:p>
+        </p:txBody>
+      </p:sp>
+      <p:sp>
+        <p:nvSpPr>
+          <p:cNvPr id="10" name="Oval 9"/>
+          <p:cNvSpPr/>
+          <p:nvPr/>
+        </p:nvSpPr>
+        <p:spPr>
+          <a:xfrm>
+            <a:off x="6197600" y="3077813"/>
+            <a:ext cx="928914" cy="928914"/>
+          </a:xfrm>
+          <a:prstGeom prst="ellipse">
+            <a:avLst/>
+          </a:prstGeom>
+          <a:solidFill>
+            <a:schemeClr val="accent1"/>
+          </a:solidFill>
+          <a:ln>
+            <a:noFill/>
+          </a:ln>
+        </p:spPr>
+        <p:style>
+          <a:lnRef idx="2">
+            <a:schemeClr val="accent1">
+              <a:shade val="50000"/>
+            </a:schemeClr>
+          </a:lnRef>
+          <a:fillRef idx="1">
+            <a:schemeClr val="accent1"/>
+          </a:fillRef>
+          <a:effectRef idx="0">
+            <a:schemeClr val="accent1"/>
+          </a:effectRef>
+          <a:fontRef idx="minor">
+            <a:schemeClr val="lt1"/>
+          </a:fontRef>
+        </p:style>
+        <p:txBody>
+          <a:bodyPr rtlCol="0" anchor="ctr"/>
+          <a:lstStyle/>
+          <a:p>
+            <a:pPr algn="ctr">
+              <a:lnSpc>
+                <a:spcPct val="130000"/>
+              </a:lnSpc>
+            </a:pPr>
+            <a:r>
+              <a:rPr lang="en-US" sz="2800" b="1" dirty="0">
+                <a:latin typeface="微软雅黑" panose="020B0503020204020204" pitchFamily="34" charset="-122"/>
+                <a:ea typeface="微软雅黑" panose="020B0503020204020204" pitchFamily="34" charset="-122"/>
+              </a:rPr>
+              <a:t>04</a:t>
+            </a:r>
+          </a:p>
+        </p:txBody>
+      </p:sp>
+      <p:sp>
+        <p:nvSpPr>
+          <p:cNvPr id="11" name="矩形 46"/>
+          <p:cNvSpPr/>
+          <p:nvPr/>
+        </p:nvSpPr>
+        <p:spPr>
+          <a:xfrm>
+            <a:off x="2035145" y="1357254"/>
+            <a:ext cx="3580161" cy="1680973"/>
+          </a:xfrm>
+          <a:prstGeom prst="rect">
+            <a:avLst/>
+          </a:prstGeom>
+        </p:spPr>
+        <p:txBody>
+          <a:bodyPr wrap="square">
+            <a:spAutoFit/>
+          </a:bodyPr>
+          <a:lstStyle/>
+          <a:p>
+            <a:pPr defTabSz="1219170">
+              <a:lnSpc>
+                <a:spcPct val="150000"/>
+              </a:lnSpc>
+              <a:defRPr/>
+            </a:pPr>
+            <a:r>
+              <a:rPr lang="zh-CN" altLang="en-US" sz="1000" dirty="0">
+                <a:solidFill>
+                  <a:schemeClr val="bg1"/>
+                </a:solidFill>
+                <a:latin typeface="+mn-ea"/>
+              </a:rPr>
+              <a:t>迁移学习（</a:t>
+            </a:r>
+            <a:r>
+              <a:rPr lang="en-US" altLang="zh-CN" sz="1000" dirty="0">
+                <a:solidFill>
+                  <a:schemeClr val="bg1"/>
+                </a:solidFill>
+                <a:latin typeface="+mn-ea"/>
+              </a:rPr>
+              <a:t>transfer learning</a:t>
+            </a:r>
+            <a:r>
+              <a:rPr lang="zh-CN" altLang="en-US" sz="1000" dirty="0">
+                <a:solidFill>
+                  <a:schemeClr val="bg1"/>
+                </a:solidFill>
+                <a:latin typeface="+mn-ea"/>
+              </a:rPr>
+              <a:t>），就是利用了因素共享这一特点，将一个任务中学习到的关联应用到其他任务当中去。比如画面识别中卷积层的前几层其实就可以想象成是人类的眼球结构是如何将反光关联到视网膜上的，而后几层可以想象成视网膜上的概念又是如何逐层变成抽象的图形的。 那么将这几层单独拿出来应用在其他的画面识别任务中，额外加两层再做轻微训练，同样适用。（大家都是人眼）</a:t>
+            </a:r>
+            <a:endParaRPr lang="zh-CN" altLang="en-US" sz="1000" dirty="0">
+              <a:solidFill>
+                <a:schemeClr val="bg1"/>
+              </a:solidFill>
+              <a:latin typeface="+mn-ea"/>
+            </a:endParaRPr>
+          </a:p>
+        </p:txBody>
+      </p:sp>
+      <p:sp>
+        <p:nvSpPr>
+          <p:cNvPr id="13" name="矩形 46"/>
+          <p:cNvSpPr/>
+          <p:nvPr/>
+        </p:nvSpPr>
+        <p:spPr>
+          <a:xfrm>
+            <a:off x="7134417" y="1568180"/>
+            <a:ext cx="3580161" cy="1219308"/>
+          </a:xfrm>
+          <a:prstGeom prst="rect">
+            <a:avLst/>
+          </a:prstGeom>
+        </p:spPr>
+        <p:txBody>
+          <a:bodyPr wrap="square">
+            <a:spAutoFit/>
+          </a:bodyPr>
+          <a:lstStyle/>
+          <a:p>
+            <a:pPr defTabSz="1219170">
+              <a:lnSpc>
+                <a:spcPct val="150000"/>
+              </a:lnSpc>
+              <a:defRPr/>
+            </a:pPr>
+            <a:r>
+              <a:rPr lang="zh-CN" altLang="en-US" sz="1000" dirty="0">
+                <a:solidFill>
+                  <a:schemeClr val="bg1"/>
+                </a:solidFill>
+                <a:latin typeface="+mn-ea"/>
+              </a:rPr>
+              <a:t>规范层</a:t>
+            </a:r>
+            <a:r>
+              <a:rPr lang="en-US" altLang="zh-CN" sz="1000" dirty="0">
+                <a:solidFill>
+                  <a:schemeClr val="bg1"/>
+                </a:solidFill>
+                <a:latin typeface="+mn-ea"/>
+              </a:rPr>
+              <a:t>batch-normalization</a:t>
+            </a:r>
+            <a:r>
+              <a:rPr lang="zh-CN" altLang="en-US" sz="1000" dirty="0">
+                <a:solidFill>
+                  <a:schemeClr val="bg1"/>
+                </a:solidFill>
+                <a:latin typeface="+mn-ea"/>
+              </a:rPr>
+              <a:t>，利用的是降低拟合难度。预处理是在起始层进行标准化（去掉均值，除以方差），这种思想一样可以应用在隐藏层当中。这样每一层的变体都会被减少，神经网络拟合起来就会变得更加容易，更加容易关注那些我们想要的规律。</a:t>
+            </a:r>
+            <a:endParaRPr lang="zh-CN" altLang="en-US" sz="1000" dirty="0">
+              <a:solidFill>
+                <a:schemeClr val="bg1"/>
+              </a:solidFill>
+              <a:latin typeface="+mn-ea"/>
+            </a:endParaRPr>
+          </a:p>
+        </p:txBody>
+      </p:sp>
+      <p:sp>
+        <p:nvSpPr>
+          <p:cNvPr id="15" name="矩形 46"/>
+          <p:cNvSpPr/>
+          <p:nvPr/>
+        </p:nvSpPr>
+        <p:spPr>
+          <a:xfrm>
+            <a:off x="2003405" y="3200806"/>
+            <a:ext cx="3580161" cy="757643"/>
+          </a:xfrm>
+          <a:prstGeom prst="rect">
+            <a:avLst/>
+          </a:prstGeom>
+        </p:spPr>
+        <p:txBody>
+          <a:bodyPr wrap="square">
+            <a:spAutoFit/>
+          </a:bodyPr>
+          <a:lstStyle/>
+          <a:p>
+            <a:pPr defTabSz="1219170">
+              <a:lnSpc>
+                <a:spcPct val="150000"/>
+              </a:lnSpc>
+              <a:defRPr/>
+            </a:pPr>
+            <a:r>
+              <a:rPr lang="zh-CN" altLang="en-US" sz="1000" dirty="0">
+                <a:solidFill>
+                  <a:schemeClr val="bg1"/>
+                </a:solidFill>
+                <a:latin typeface="+mn-ea"/>
+              </a:rPr>
+              <a:t>预训练</a:t>
+            </a:r>
+            <a:r>
+              <a:rPr lang="en-US" altLang="zh-CN" sz="1000" dirty="0">
+                <a:solidFill>
+                  <a:schemeClr val="bg1"/>
+                </a:solidFill>
+                <a:latin typeface="+mn-ea"/>
+              </a:rPr>
+              <a:t>pretraining</a:t>
+            </a:r>
+            <a:r>
+              <a:rPr lang="zh-CN" altLang="en-US" sz="1000" dirty="0">
+                <a:solidFill>
+                  <a:schemeClr val="bg1"/>
+                </a:solidFill>
+                <a:latin typeface="+mn-ea"/>
+              </a:rPr>
+              <a:t>，是利用了优化起点，优先从哪个区域寻找关联</a:t>
+            </a:r>
+            <a:r>
+              <a:rPr lang="en-US" altLang="zh-CN" sz="1000" dirty="0">
+                <a:solidFill>
+                  <a:schemeClr val="bg1"/>
+                </a:solidFill>
+                <a:latin typeface="+mn-ea"/>
+              </a:rPr>
+              <a:t>f</a:t>
+            </a:r>
+            <a:r>
+              <a:rPr lang="zh-CN" altLang="en-US" sz="1000" dirty="0">
+                <a:solidFill>
+                  <a:schemeClr val="bg1"/>
+                </a:solidFill>
+                <a:latin typeface="+mn-ea"/>
+              </a:rPr>
+              <a:t>。同样可以减少那些只符合训练集而不符合测试集的规律。</a:t>
+            </a:r>
+            <a:endParaRPr lang="zh-CN" altLang="en-US" sz="1000" dirty="0">
+              <a:solidFill>
+                <a:schemeClr val="bg1"/>
+              </a:solidFill>
+              <a:latin typeface="+mn-ea"/>
+            </a:endParaRPr>
+          </a:p>
+        </p:txBody>
+      </p:sp>
+      <p:sp>
+        <p:nvSpPr>
+          <p:cNvPr id="17" name="矩形 46"/>
+          <p:cNvSpPr/>
+          <p:nvPr/>
+        </p:nvSpPr>
+        <p:spPr>
+          <a:xfrm>
+            <a:off x="7223290" y="3035948"/>
+            <a:ext cx="3580161" cy="988476"/>
+          </a:xfrm>
+          <a:prstGeom prst="rect">
+            <a:avLst/>
+          </a:prstGeom>
+        </p:spPr>
+        <p:txBody>
+          <a:bodyPr wrap="square">
+            <a:spAutoFit/>
+          </a:bodyPr>
+          <a:lstStyle/>
+          <a:p>
+            <a:pPr defTabSz="1219170">
+              <a:lnSpc>
+                <a:spcPct val="150000"/>
+              </a:lnSpc>
+              <a:defRPr/>
+            </a:pPr>
+            <a:r>
+              <a:rPr lang="en-US" altLang="zh-CN" sz="1000" dirty="0">
+                <a:solidFill>
+                  <a:schemeClr val="bg1"/>
+                </a:solidFill>
+                <a:latin typeface="+mn-ea"/>
+              </a:rPr>
+              <a:t>auto-encoder</a:t>
+            </a:r>
+            <a:r>
+              <a:rPr lang="zh-CN" altLang="en-US" sz="1000" dirty="0">
+                <a:solidFill>
+                  <a:schemeClr val="bg1"/>
+                </a:solidFill>
+                <a:latin typeface="+mn-ea"/>
+              </a:rPr>
+              <a:t>，是利用的因素拆分，它逐渐的将因素变少，依照的是将</a:t>
+            </a:r>
+            <a:r>
+              <a:rPr lang="en-US" altLang="zh-CN" sz="1000" dirty="0">
+                <a:solidFill>
+                  <a:schemeClr val="bg1"/>
+                </a:solidFill>
+                <a:latin typeface="+mn-ea"/>
+              </a:rPr>
+              <a:t>disentangle the factors of variation</a:t>
+            </a:r>
+            <a:r>
+              <a:rPr lang="zh-CN" altLang="en-US" sz="1000" dirty="0">
+                <a:solidFill>
+                  <a:schemeClr val="bg1"/>
+                </a:solidFill>
+                <a:latin typeface="+mn-ea"/>
+              </a:rPr>
+              <a:t>，将变体拆分成因素附带关系的形式。它的目的是降低变体数量，所以会逐层减少，并且最后只使用中间层的状态作为输入向量</a:t>
+            </a:r>
+            <a:endParaRPr lang="zh-CN" altLang="en-US" sz="1000" dirty="0">
+              <a:solidFill>
+                <a:schemeClr val="bg1"/>
+              </a:solidFill>
+              <a:latin typeface="+mn-ea"/>
+            </a:endParaRPr>
+          </a:p>
+        </p:txBody>
+      </p:sp>
+      <p:sp>
+        <p:nvSpPr>
+          <p:cNvPr id="20" name="Rectangle 19"/>
+          <p:cNvSpPr/>
+          <p:nvPr/>
+        </p:nvSpPr>
+        <p:spPr>
+          <a:xfrm>
+            <a:off x="7718133" y="4450915"/>
+            <a:ext cx="2815771" cy="146591"/>
+          </a:xfrm>
+          <a:prstGeom prst="rect">
+            <a:avLst/>
+          </a:prstGeom>
+          <a:solidFill>
+            <a:schemeClr val="accent1"/>
+          </a:solidFill>
+          <a:ln>
+            <a:noFill/>
+          </a:ln>
+        </p:spPr>
+        <p:style>
+          <a:lnRef idx="2">
+            <a:schemeClr val="accent1">
+              <a:shade val="50000"/>
+            </a:schemeClr>
+          </a:lnRef>
+          <a:fillRef idx="1">
+            <a:schemeClr val="accent1"/>
+          </a:fillRef>
+          <a:effectRef idx="0">
+            <a:schemeClr val="accent1"/>
+          </a:effectRef>
+          <a:fontRef idx="minor">
+            <a:schemeClr val="lt1"/>
+          </a:fontRef>
+        </p:style>
+        <p:txBody>
+          <a:bodyPr rtlCol="0" anchor="ctr"/>
+          <a:lstStyle/>
+          <a:p>
+            <a:pPr algn="ctr">
+              <a:lnSpc>
+                <a:spcPct val="130000"/>
+              </a:lnSpc>
+            </a:pPr>
+            <a:endParaRPr lang="en-US" sz="1200" dirty="0">
+              <a:latin typeface="微软雅黑" panose="020B0503020204020204" pitchFamily="34" charset="-122"/>
+              <a:ea typeface="微软雅黑" panose="020B0503020204020204" pitchFamily="34" charset="-122"/>
+            </a:endParaRPr>
+          </a:p>
+        </p:txBody>
+      </p:sp>
+      <p:sp>
+        <p:nvSpPr>
+          <p:cNvPr id="21" name="Rectangle 20"/>
+          <p:cNvSpPr/>
+          <p:nvPr/>
+        </p:nvSpPr>
+        <p:spPr>
+          <a:xfrm>
+            <a:off x="696707" y="4439923"/>
+            <a:ext cx="2815771" cy="146591"/>
+          </a:xfrm>
+          <a:prstGeom prst="rect">
+            <a:avLst/>
+          </a:prstGeom>
+          <a:solidFill>
+            <a:schemeClr val="accent1"/>
+          </a:solidFill>
+          <a:ln>
+            <a:noFill/>
+          </a:ln>
+        </p:spPr>
+        <p:style>
+          <a:lnRef idx="2">
+            <a:schemeClr val="accent1">
+              <a:shade val="50000"/>
+            </a:schemeClr>
+          </a:lnRef>
+          <a:fillRef idx="1">
+            <a:schemeClr val="accent1"/>
+          </a:fillRef>
+          <a:effectRef idx="0">
+            <a:schemeClr val="accent1"/>
+          </a:effectRef>
+          <a:fontRef idx="minor">
+            <a:schemeClr val="lt1"/>
+          </a:fontRef>
+        </p:style>
+        <p:txBody>
+          <a:bodyPr rtlCol="0" anchor="ctr"/>
+          <a:lstStyle/>
+          <a:p>
+            <a:pPr algn="ctr">
+              <a:lnSpc>
+                <a:spcPct val="130000"/>
+              </a:lnSpc>
+            </a:pPr>
+            <a:endParaRPr lang="en-US" sz="1200" dirty="0">
+              <a:latin typeface="微软雅黑" panose="020B0503020204020204" pitchFamily="34" charset="-122"/>
+              <a:ea typeface="微软雅黑" panose="020B0503020204020204" pitchFamily="34" charset="-122"/>
+            </a:endParaRPr>
+          </a:p>
+        </p:txBody>
+      </p:sp>
+      <p:sp>
+        <p:nvSpPr>
+          <p:cNvPr id="28" name="矩形 27"/>
+          <p:cNvSpPr/>
+          <p:nvPr/>
+        </p:nvSpPr>
+        <p:spPr>
+          <a:xfrm>
+            <a:off x="9924458" y="6465546"/>
+            <a:ext cx="1889590" cy="369332"/>
+          </a:xfrm>
+          <a:prstGeom prst="rect">
+            <a:avLst/>
+          </a:prstGeom>
+        </p:spPr>
+        <p:txBody>
+          <a:bodyPr wrap="square">
+            <a:spAutoFit/>
+          </a:bodyPr>
+          <a:lstStyle/>
+          <a:p>
+            <a:pPr algn="ctr"/>
+            <a:r>
+              <a:rPr lang="en-US" altLang="zh-CN" b="1" dirty="0">
+                <a:ln w="6600">
+                  <a:solidFill>
+                    <a:schemeClr val="accent2"/>
+                  </a:solidFill>
+                  <a:prstDash val="solid"/>
+                </a:ln>
+                <a:solidFill>
+                  <a:srgbClr val="FFFFFF"/>
+                </a:solidFill>
+                <a:effectLst>
+                  <a:outerShdw dist="38100" dir="2700000" algn="tl" rotWithShape="0">
+                    <a:schemeClr val="accent2"/>
+                  </a:outerShdw>
+                </a:effectLst>
+                <a:latin typeface="Castellar" panose="020A0402060406010301" pitchFamily="18" charset="0"/>
+              </a:rPr>
+              <a:t>Y Jango</a:t>
+            </a:r>
+            <a:endParaRPr lang="zh-CN" altLang="en-US" b="1" dirty="0">
+              <a:ln w="6600">
+                <a:solidFill>
+                  <a:schemeClr val="accent2"/>
+                </a:solidFill>
+                <a:prstDash val="solid"/>
+              </a:ln>
+              <a:solidFill>
+                <a:srgbClr val="FFFFFF"/>
+              </a:solidFill>
+              <a:effectLst>
+                <a:outerShdw dist="38100" dir="2700000" algn="tl" rotWithShape="0">
+                  <a:schemeClr val="accent2"/>
+                </a:outerShdw>
+              </a:effectLst>
+              <a:latin typeface="Castellar" panose="020A0402060406010301" pitchFamily="18" charset="0"/>
+            </a:endParaRPr>
+          </a:p>
+        </p:txBody>
+      </p:sp>
+      <p:sp>
+        <p:nvSpPr>
+          <p:cNvPr id="22" name="矩形 46"/>
+          <p:cNvSpPr/>
+          <p:nvPr/>
+        </p:nvSpPr>
+        <p:spPr>
+          <a:xfrm>
+            <a:off x="625401" y="4709060"/>
+            <a:ext cx="2945113" cy="1015663"/>
+          </a:xfrm>
+          <a:prstGeom prst="rect">
+            <a:avLst/>
+          </a:prstGeom>
+        </p:spPr>
+        <p:txBody>
+          <a:bodyPr wrap="square">
+            <a:spAutoFit/>
+          </a:bodyPr>
+          <a:lstStyle/>
+          <a:p>
+            <a:pPr defTabSz="1219170">
+              <a:lnSpc>
+                <a:spcPct val="150000"/>
+              </a:lnSpc>
+              <a:defRPr/>
+            </a:pPr>
+            <a:r>
+              <a:rPr lang="zh-CN" altLang="en-US" sz="1000" dirty="0">
+                <a:latin typeface="+mn-ea"/>
+              </a:rPr>
+              <a:t>多任务学习</a:t>
+            </a:r>
+            <a:r>
+              <a:rPr lang="en-US" altLang="zh-CN" sz="1000" dirty="0" err="1">
+                <a:latin typeface="+mn-ea"/>
+              </a:rPr>
+              <a:t>muti</a:t>
+            </a:r>
+            <a:r>
+              <a:rPr lang="en-US" altLang="zh-CN" sz="1000" dirty="0">
+                <a:latin typeface="+mn-ea"/>
+              </a:rPr>
+              <a:t>-task learning</a:t>
+            </a:r>
+            <a:r>
+              <a:rPr lang="zh-CN" altLang="en-US" sz="1000" dirty="0">
+                <a:latin typeface="+mn-ea"/>
+              </a:rPr>
+              <a:t>，利用的是因素共享，多个任务共享相同的知识，这样就会更容易确定我们真正想要的关联</a:t>
+            </a:r>
+            <a:r>
+              <a:rPr lang="en-US" altLang="zh-CN" sz="1000" dirty="0">
+                <a:latin typeface="+mn-ea"/>
+              </a:rPr>
+              <a:t>f</a:t>
+            </a:r>
+            <a:r>
+              <a:rPr lang="zh-CN" altLang="en-US" sz="1000" dirty="0">
+                <a:latin typeface="+mn-ea"/>
+              </a:rPr>
+              <a:t>，而排除掉那些只符合训练数据集，而不符合测试数据集的关联。</a:t>
+            </a:r>
+            <a:endParaRPr lang="zh-CN" altLang="en-US" sz="1000" dirty="0">
+              <a:latin typeface="+mn-ea"/>
+            </a:endParaRPr>
+          </a:p>
+        </p:txBody>
+      </p:sp>
+      <p:sp>
+        <p:nvSpPr>
+          <p:cNvPr id="25" name="矩形 46"/>
+          <p:cNvSpPr/>
+          <p:nvPr/>
+        </p:nvSpPr>
+        <p:spPr>
+          <a:xfrm>
+            <a:off x="7596617" y="4697775"/>
+            <a:ext cx="2937287" cy="2169825"/>
+          </a:xfrm>
+          <a:prstGeom prst="rect">
+            <a:avLst/>
+          </a:prstGeom>
+        </p:spPr>
+        <p:txBody>
+          <a:bodyPr wrap="square">
+            <a:spAutoFit/>
+          </a:bodyPr>
+          <a:lstStyle/>
+          <a:p>
+            <a:pPr defTabSz="1219170">
+              <a:lnSpc>
+                <a:spcPct val="150000"/>
+              </a:lnSpc>
+              <a:defRPr/>
+            </a:pPr>
+            <a:r>
+              <a:rPr lang="fr-FR" altLang="zh-CN" sz="1000" dirty="0">
+                <a:latin typeface="+mn-ea"/>
+              </a:rPr>
+              <a:t>distillation</a:t>
+            </a:r>
+            <a:r>
+              <a:rPr lang="zh-CN" altLang="fr-FR" sz="1000" dirty="0">
+                <a:latin typeface="+mn-ea"/>
+              </a:rPr>
+              <a:t>，</a:t>
+            </a:r>
+            <a:r>
+              <a:rPr lang="fr-FR" altLang="zh-CN" sz="1000" dirty="0">
+                <a:latin typeface="+mn-ea"/>
+              </a:rPr>
+              <a:t>dropout</a:t>
+            </a:r>
+            <a:r>
+              <a:rPr lang="zh-CN" altLang="fr-FR" sz="1000" dirty="0">
+                <a:latin typeface="+mn-ea"/>
+              </a:rPr>
+              <a:t>、</a:t>
+            </a:r>
+            <a:r>
+              <a:rPr lang="fr-FR" altLang="zh-CN" sz="1000" dirty="0">
+                <a:latin typeface="+mn-ea"/>
+              </a:rPr>
+              <a:t>regularization</a:t>
+            </a:r>
+            <a:r>
+              <a:rPr lang="zh-CN" altLang="fr-FR" sz="1000" dirty="0">
+                <a:latin typeface="+mn-ea"/>
+              </a:rPr>
+              <a:t>，利用的是增加惩罚。</a:t>
+            </a:r>
+            <a:r>
+              <a:rPr lang="fr-FR" altLang="zh-CN" sz="1000" dirty="0">
+                <a:latin typeface="+mn-ea"/>
+              </a:rPr>
+              <a:t>distillation</a:t>
+            </a:r>
+            <a:r>
+              <a:rPr lang="zh-CN" altLang="fr-FR" sz="1000" dirty="0">
+                <a:latin typeface="+mn-ea"/>
+              </a:rPr>
+              <a:t>同时也具有优化起点的作用。详细可以参考</a:t>
+            </a:r>
+            <a:r>
+              <a:rPr lang="fr-FR" altLang="zh-CN" sz="1000" dirty="0">
+                <a:latin typeface="+mn-ea"/>
+                <a:hlinkClick r:id="rId2"/>
+              </a:rPr>
+              <a:t>https://www.zhihu.com/question/50519680/answer/136406661</a:t>
+            </a:r>
+            <a:r>
+              <a:rPr lang="zh-CN" altLang="fr-FR" sz="1000" dirty="0">
+                <a:latin typeface="+mn-ea"/>
+              </a:rPr>
+              <a:t>。</a:t>
+            </a:r>
+            <a:endParaRPr lang="en-US" altLang="zh-CN" sz="1000" dirty="0">
+              <a:latin typeface="+mn-ea"/>
+            </a:endParaRPr>
+          </a:p>
+          <a:p>
+            <a:pPr defTabSz="1219170">
+              <a:lnSpc>
+                <a:spcPct val="150000"/>
+              </a:lnSpc>
+              <a:defRPr/>
+            </a:pPr>
+            <a:r>
+              <a:rPr lang="zh-CN" altLang="fr-FR" sz="1000" dirty="0">
+                <a:latin typeface="+mn-ea"/>
+              </a:rPr>
+              <a:t> 而</a:t>
+            </a:r>
+            <a:r>
+              <a:rPr lang="fr-FR" altLang="zh-CN" sz="1000" dirty="0">
+                <a:latin typeface="+mn-ea"/>
+              </a:rPr>
+              <a:t>dropout</a:t>
+            </a:r>
+            <a:r>
+              <a:rPr lang="zh-CN" altLang="fr-FR" sz="1000" dirty="0">
+                <a:latin typeface="+mn-ea"/>
+              </a:rPr>
+              <a:t>和 </a:t>
+            </a:r>
+            <a:r>
+              <a:rPr lang="fr-FR" altLang="zh-CN" sz="1000" dirty="0">
+                <a:latin typeface="+mn-ea"/>
+              </a:rPr>
+              <a:t>L2 regularization</a:t>
+            </a:r>
+            <a:r>
+              <a:rPr lang="zh-CN" altLang="fr-FR" sz="1000" dirty="0">
+                <a:latin typeface="+mn-ea"/>
+              </a:rPr>
+              <a:t>的理解可以参考</a:t>
+            </a:r>
+            <a:r>
+              <a:rPr lang="fr-FR" altLang="zh-CN" sz="1000" dirty="0">
+                <a:latin typeface="+mn-ea"/>
+                <a:hlinkClick r:id="rId3"/>
+              </a:rPr>
+              <a:t>http://www.kancloud.cn/yjango/superorganism/265445</a:t>
+            </a:r>
+            <a:endParaRPr lang="fr-FR" altLang="zh-CN" sz="1000" dirty="0">
+              <a:latin typeface="+mn-ea"/>
+            </a:endParaRPr>
+          </a:p>
+          <a:p>
+            <a:pPr defTabSz="1219170">
+              <a:lnSpc>
+                <a:spcPct val="150000"/>
+              </a:lnSpc>
+              <a:defRPr/>
+            </a:pPr>
+            <a:endParaRPr lang="fr-FR" altLang="zh-CN" sz="1000" dirty="0">
+              <a:latin typeface="+mn-ea"/>
+            </a:endParaRPr>
+          </a:p>
+        </p:txBody>
+      </p:sp>
+      <p:sp>
+        <p:nvSpPr>
+          <p:cNvPr id="29" name="矩形 46"/>
+          <p:cNvSpPr/>
+          <p:nvPr/>
+        </p:nvSpPr>
+        <p:spPr>
+          <a:xfrm>
+            <a:off x="4140956" y="4670588"/>
+            <a:ext cx="2885219" cy="1246495"/>
+          </a:xfrm>
+          <a:prstGeom prst="rect">
+            <a:avLst/>
+          </a:prstGeom>
+        </p:spPr>
+        <p:txBody>
+          <a:bodyPr wrap="square">
+            <a:spAutoFit/>
+          </a:bodyPr>
+          <a:lstStyle/>
+          <a:p>
+            <a:pPr defTabSz="1219170">
+              <a:lnSpc>
+                <a:spcPct val="150000"/>
+              </a:lnSpc>
+              <a:defRPr/>
+            </a:pPr>
+            <a:r>
+              <a:rPr lang="en-US" altLang="zh-CN" sz="1000" dirty="0">
+                <a:latin typeface="+mn-ea"/>
+              </a:rPr>
+              <a:t>joint learning</a:t>
+            </a:r>
+            <a:r>
+              <a:rPr lang="zh-CN" altLang="en-US" sz="1000" dirty="0">
+                <a:latin typeface="+mn-ea"/>
+              </a:rPr>
+              <a:t>，</a:t>
+            </a:r>
+            <a:r>
+              <a:rPr lang="en-US" altLang="zh-CN" sz="1000" dirty="0">
+                <a:latin typeface="+mn-ea"/>
+              </a:rPr>
+              <a:t>end-to-end learning</a:t>
+            </a:r>
+            <a:r>
+              <a:rPr lang="zh-CN" altLang="en-US" sz="1000" dirty="0">
+                <a:latin typeface="+mn-ea"/>
+              </a:rPr>
+              <a:t>，是因素共享</a:t>
+            </a:r>
+            <a:r>
+              <a:rPr lang="en-US" altLang="zh-CN" sz="1000" dirty="0">
+                <a:latin typeface="+mn-ea"/>
+              </a:rPr>
+              <a:t>+</a:t>
+            </a:r>
+            <a:r>
+              <a:rPr lang="zh-CN" altLang="en-US" sz="1000" dirty="0">
+                <a:latin typeface="+mn-ea"/>
+              </a:rPr>
+              <a:t>因素拆分的联合应用。</a:t>
+            </a:r>
+          </a:p>
+          <a:p>
+            <a:pPr defTabSz="1219170">
+              <a:lnSpc>
+                <a:spcPct val="150000"/>
+              </a:lnSpc>
+              <a:defRPr/>
+            </a:pPr>
+            <a:r>
+              <a:rPr lang="zh-CN" altLang="en-US" sz="1000" dirty="0">
+                <a:latin typeface="+mn-ea"/>
+              </a:rPr>
+              <a:t>通过缩减人工预处理和后续处理，尽可能使模型从原始输入到最终输出，给模型更多可以根据数据自动调节的空间，增加模型的整体契合度。</a:t>
+            </a:r>
+            <a:endParaRPr lang="zh-CN" altLang="en-US" sz="1000" dirty="0">
+              <a:latin typeface="+mn-ea"/>
+            </a:endParaRPr>
+          </a:p>
+        </p:txBody>
+      </p:sp>
+      <p:sp>
+        <p:nvSpPr>
+          <p:cNvPr id="30" name="Rectangle 19"/>
+          <p:cNvSpPr/>
+          <p:nvPr/>
+        </p:nvSpPr>
+        <p:spPr>
+          <a:xfrm>
+            <a:off x="4207420" y="4445368"/>
+            <a:ext cx="2815771" cy="146591"/>
+          </a:xfrm>
+          <a:prstGeom prst="rect">
+            <a:avLst/>
+          </a:prstGeom>
+          <a:solidFill>
+            <a:schemeClr val="accent1"/>
+          </a:solidFill>
+          <a:ln>
+            <a:noFill/>
+          </a:ln>
+        </p:spPr>
+        <p:style>
+          <a:lnRef idx="2">
+            <a:schemeClr val="accent1">
+              <a:shade val="50000"/>
+            </a:schemeClr>
+          </a:lnRef>
+          <a:fillRef idx="1">
+            <a:schemeClr val="accent1"/>
+          </a:fillRef>
+          <a:effectRef idx="0">
+            <a:schemeClr val="accent1"/>
+          </a:effectRef>
+          <a:fontRef idx="minor">
+            <a:schemeClr val="lt1"/>
+          </a:fontRef>
+        </p:style>
+        <p:txBody>
+          <a:bodyPr rtlCol="0" anchor="ctr"/>
+          <a:lstStyle/>
+          <a:p>
+            <a:pPr algn="ctr">
+              <a:lnSpc>
+                <a:spcPct val="130000"/>
+              </a:lnSpc>
+            </a:pPr>
+            <a:endParaRPr lang="en-US" sz="1200" dirty="0">
+              <a:latin typeface="微软雅黑" panose="020B0503020204020204" pitchFamily="34" charset="-122"/>
+              <a:ea typeface="微软雅黑" panose="020B0503020204020204" pitchFamily="34" charset="-122"/>
+            </a:endParaRPr>
           </a:p>
         </p:txBody>
       </p:sp>
     </p:spTree>
     <p:extLst>
       <p:ext uri="{BB962C8B-B14F-4D97-AF65-F5344CB8AC3E}">
-        <p14:creationId xmlns:p14="http://schemas.microsoft.com/office/powerpoint/2010/main" val="127983466"/>
+        <p14:creationId xmlns:p14="http://schemas.microsoft.com/office/powerpoint/2010/main" val="3949187586"/>
       </p:ext>
     </p:extLst>
   </p:cSld>
@@ -34202,13 +35322,13 @@
             <a:spLocks noGrp="1"/>
           </p:cNvSpPr>
           <p:nvPr>
-            <p:ph type="body" sz="quarter" idx="11"/>
+            <p:ph type="body" sz="quarter" idx="23"/>
           </p:nvPr>
         </p:nvSpPr>
         <p:spPr>
           <a:xfrm>
-            <a:off x="3570514" y="240707"/>
-            <a:ext cx="5050972" cy="584775"/>
+            <a:off x="1640113" y="2685582"/>
+            <a:ext cx="7735535" cy="1015663"/>
           </a:xfrm>
         </p:spPr>
         <p:txBody>
@@ -34217,881 +35337,15 @@
           <a:p>
             <a:r>
               <a:rPr lang="zh-CN" altLang="en-US" dirty="0"/>
-              <a:t>教程</a:t>
-            </a:r>
-          </a:p>
-        </p:txBody>
-      </p:sp>
-      <p:sp>
-        <p:nvSpPr>
-          <p:cNvPr id="6" name="Oval 5"/>
-          <p:cNvSpPr/>
-          <p:nvPr/>
-        </p:nvSpPr>
-        <p:spPr>
-          <a:xfrm>
-            <a:off x="1030515" y="1732119"/>
-            <a:ext cx="928914" cy="928914"/>
-          </a:xfrm>
-          <a:prstGeom prst="ellipse">
-            <a:avLst/>
-          </a:prstGeom>
-          <a:solidFill>
-            <a:schemeClr val="accent1"/>
-          </a:solidFill>
-          <a:ln>
-            <a:noFill/>
-          </a:ln>
-        </p:spPr>
-        <p:style>
-          <a:lnRef idx="2">
-            <a:schemeClr val="accent1">
-              <a:shade val="50000"/>
-            </a:schemeClr>
-          </a:lnRef>
-          <a:fillRef idx="1">
-            <a:schemeClr val="accent1"/>
-          </a:fillRef>
-          <a:effectRef idx="0">
-            <a:schemeClr val="accent1"/>
-          </a:effectRef>
-          <a:fontRef idx="minor">
-            <a:schemeClr val="lt1"/>
-          </a:fontRef>
-        </p:style>
-        <p:txBody>
-          <a:bodyPr rtlCol="0" anchor="ctr"/>
-          <a:lstStyle/>
-          <a:p>
-            <a:pPr algn="ctr">
-              <a:lnSpc>
-                <a:spcPct val="130000"/>
-              </a:lnSpc>
-            </a:pPr>
-            <a:r>
-              <a:rPr lang="en-US" sz="2800" b="1" dirty="0">
-                <a:latin typeface="微软雅黑" panose="020B0503020204020204" pitchFamily="34" charset="-122"/>
-                <a:ea typeface="微软雅黑" panose="020B0503020204020204" pitchFamily="34" charset="-122"/>
-              </a:rPr>
-              <a:t>01</a:t>
-            </a:r>
-          </a:p>
-        </p:txBody>
-      </p:sp>
-      <p:sp>
-        <p:nvSpPr>
-          <p:cNvPr id="7" name="Oval 6"/>
-          <p:cNvSpPr/>
-          <p:nvPr/>
-        </p:nvSpPr>
-        <p:spPr>
-          <a:xfrm>
-            <a:off x="6197600" y="1732119"/>
-            <a:ext cx="928914" cy="928914"/>
-          </a:xfrm>
-          <a:prstGeom prst="ellipse">
-            <a:avLst/>
-          </a:prstGeom>
-          <a:solidFill>
-            <a:schemeClr val="accent1"/>
-          </a:solidFill>
-          <a:ln>
-            <a:noFill/>
-          </a:ln>
-        </p:spPr>
-        <p:style>
-          <a:lnRef idx="2">
-            <a:schemeClr val="accent1">
-              <a:shade val="50000"/>
-            </a:schemeClr>
-          </a:lnRef>
-          <a:fillRef idx="1">
-            <a:schemeClr val="accent1"/>
-          </a:fillRef>
-          <a:effectRef idx="0">
-            <a:schemeClr val="accent1"/>
-          </a:effectRef>
-          <a:fontRef idx="minor">
-            <a:schemeClr val="lt1"/>
-          </a:fontRef>
-        </p:style>
-        <p:txBody>
-          <a:bodyPr rtlCol="0" anchor="ctr"/>
-          <a:lstStyle/>
-          <a:p>
-            <a:pPr algn="ctr">
-              <a:lnSpc>
-                <a:spcPct val="130000"/>
-              </a:lnSpc>
-            </a:pPr>
-            <a:r>
-              <a:rPr lang="en-US" sz="2800" b="1" dirty="0">
-                <a:latin typeface="微软雅黑" panose="020B0503020204020204" pitchFamily="34" charset="-122"/>
-                <a:ea typeface="微软雅黑" panose="020B0503020204020204" pitchFamily="34" charset="-122"/>
-              </a:rPr>
-              <a:t>02</a:t>
-            </a:r>
-          </a:p>
-        </p:txBody>
-      </p:sp>
-      <p:sp>
-        <p:nvSpPr>
-          <p:cNvPr id="9" name="Oval 8"/>
-          <p:cNvSpPr/>
-          <p:nvPr/>
-        </p:nvSpPr>
-        <p:spPr>
-          <a:xfrm>
-            <a:off x="1030515" y="3077813"/>
-            <a:ext cx="928914" cy="928914"/>
-          </a:xfrm>
-          <a:prstGeom prst="ellipse">
-            <a:avLst/>
-          </a:prstGeom>
-          <a:solidFill>
-            <a:schemeClr val="accent1"/>
-          </a:solidFill>
-          <a:ln>
-            <a:noFill/>
-          </a:ln>
-        </p:spPr>
-        <p:style>
-          <a:lnRef idx="2">
-            <a:schemeClr val="accent1">
-              <a:shade val="50000"/>
-            </a:schemeClr>
-          </a:lnRef>
-          <a:fillRef idx="1">
-            <a:schemeClr val="accent1"/>
-          </a:fillRef>
-          <a:effectRef idx="0">
-            <a:schemeClr val="accent1"/>
-          </a:effectRef>
-          <a:fontRef idx="minor">
-            <a:schemeClr val="lt1"/>
-          </a:fontRef>
-        </p:style>
-        <p:txBody>
-          <a:bodyPr rtlCol="0" anchor="ctr"/>
-          <a:lstStyle/>
-          <a:p>
-            <a:pPr algn="ctr">
-              <a:lnSpc>
-                <a:spcPct val="130000"/>
-              </a:lnSpc>
-            </a:pPr>
-            <a:r>
-              <a:rPr lang="en-US" sz="2800" b="1" dirty="0">
-                <a:latin typeface="微软雅黑" panose="020B0503020204020204" pitchFamily="34" charset="-122"/>
-                <a:ea typeface="微软雅黑" panose="020B0503020204020204" pitchFamily="34" charset="-122"/>
-              </a:rPr>
-              <a:t>03</a:t>
-            </a:r>
-          </a:p>
-        </p:txBody>
-      </p:sp>
-      <p:sp>
-        <p:nvSpPr>
-          <p:cNvPr id="10" name="Oval 9"/>
-          <p:cNvSpPr/>
-          <p:nvPr/>
-        </p:nvSpPr>
-        <p:spPr>
-          <a:xfrm>
-            <a:off x="6197600" y="3077813"/>
-            <a:ext cx="928914" cy="928914"/>
-          </a:xfrm>
-          <a:prstGeom prst="ellipse">
-            <a:avLst/>
-          </a:prstGeom>
-          <a:solidFill>
-            <a:schemeClr val="accent1"/>
-          </a:solidFill>
-          <a:ln>
-            <a:noFill/>
-          </a:ln>
-        </p:spPr>
-        <p:style>
-          <a:lnRef idx="2">
-            <a:schemeClr val="accent1">
-              <a:shade val="50000"/>
-            </a:schemeClr>
-          </a:lnRef>
-          <a:fillRef idx="1">
-            <a:schemeClr val="accent1"/>
-          </a:fillRef>
-          <a:effectRef idx="0">
-            <a:schemeClr val="accent1"/>
-          </a:effectRef>
-          <a:fontRef idx="minor">
-            <a:schemeClr val="lt1"/>
-          </a:fontRef>
-        </p:style>
-        <p:txBody>
-          <a:bodyPr rtlCol="0" anchor="ctr"/>
-          <a:lstStyle/>
-          <a:p>
-            <a:pPr algn="ctr">
-              <a:lnSpc>
-                <a:spcPct val="130000"/>
-              </a:lnSpc>
-            </a:pPr>
-            <a:r>
-              <a:rPr lang="en-US" sz="2800" b="1" dirty="0">
-                <a:latin typeface="微软雅黑" panose="020B0503020204020204" pitchFamily="34" charset="-122"/>
-                <a:ea typeface="微软雅黑" panose="020B0503020204020204" pitchFamily="34" charset="-122"/>
-              </a:rPr>
-              <a:t>04</a:t>
-            </a:r>
-          </a:p>
-        </p:txBody>
-      </p:sp>
-      <p:sp>
-        <p:nvSpPr>
-          <p:cNvPr id="11" name="矩形 46"/>
-          <p:cNvSpPr/>
-          <p:nvPr/>
-        </p:nvSpPr>
-        <p:spPr>
-          <a:xfrm>
-            <a:off x="2022526" y="2083052"/>
-            <a:ext cx="3580161" cy="553998"/>
-          </a:xfrm>
-          <a:prstGeom prst="rect">
-            <a:avLst/>
-          </a:prstGeom>
-        </p:spPr>
-        <p:txBody>
-          <a:bodyPr wrap="square">
-            <a:spAutoFit/>
-          </a:bodyPr>
-          <a:lstStyle/>
-          <a:p>
-            <a:pPr defTabSz="1219170">
-              <a:lnSpc>
-                <a:spcPct val="150000"/>
-              </a:lnSpc>
-              <a:defRPr/>
-            </a:pPr>
-            <a:r>
-              <a:rPr lang="en-US" altLang="zh-CN" sz="1000" dirty="0">
-                <a:solidFill>
-                  <a:schemeClr val="bg1"/>
-                </a:solidFill>
-                <a:latin typeface="+mn-ea"/>
-                <a:hlinkClick r:id="rId2"/>
-              </a:rPr>
-              <a:t>http://cs231n.github.io/convolutional-networks/</a:t>
-            </a:r>
-            <a:endParaRPr lang="en-US" altLang="zh-CN" sz="1000" dirty="0">
-              <a:solidFill>
-                <a:schemeClr val="bg1"/>
-              </a:solidFill>
-              <a:latin typeface="+mn-ea"/>
-            </a:endParaRPr>
-          </a:p>
-          <a:p>
-            <a:pPr defTabSz="1219170">
-              <a:lnSpc>
-                <a:spcPct val="150000"/>
-              </a:lnSpc>
-              <a:defRPr/>
-            </a:pPr>
-            <a:endParaRPr lang="zh-CN" altLang="en-US" sz="1000" dirty="0">
-              <a:solidFill>
-                <a:schemeClr val="bg1"/>
-              </a:solidFill>
-              <a:latin typeface="+mn-ea"/>
-            </a:endParaRPr>
-          </a:p>
-        </p:txBody>
-      </p:sp>
-      <p:sp>
-        <p:nvSpPr>
-          <p:cNvPr id="12" name="矩形 4"/>
-          <p:cNvSpPr/>
-          <p:nvPr/>
-        </p:nvSpPr>
-        <p:spPr>
-          <a:xfrm>
-            <a:off x="2022526" y="1717508"/>
-            <a:ext cx="2071401" cy="492443"/>
-          </a:xfrm>
-          <a:prstGeom prst="rect">
-            <a:avLst/>
-          </a:prstGeom>
-        </p:spPr>
-        <p:txBody>
-          <a:bodyPr wrap="none">
-            <a:spAutoFit/>
-          </a:bodyPr>
-          <a:lstStyle/>
-          <a:p>
-            <a:pPr defTabSz="1219170">
-              <a:lnSpc>
-                <a:spcPct val="130000"/>
-              </a:lnSpc>
-              <a:defRPr/>
-            </a:pPr>
-            <a:r>
-              <a:rPr lang="en-US" altLang="zh-CN" sz="2000" b="1" kern="0" dirty="0">
-                <a:solidFill>
-                  <a:schemeClr val="bg1"/>
-                </a:solidFill>
-              </a:rPr>
-              <a:t>Python</a:t>
-            </a:r>
-            <a:r>
-              <a:rPr lang="zh-CN" altLang="en-US" sz="2000" b="1" kern="0" dirty="0">
-                <a:solidFill>
-                  <a:schemeClr val="bg1"/>
-                </a:solidFill>
-              </a:rPr>
-              <a:t>矩阵操作</a:t>
-            </a:r>
-            <a:endParaRPr lang="en-US" altLang="zh-CN" sz="2000" b="1" kern="0" dirty="0">
-              <a:solidFill>
-                <a:schemeClr val="bg1"/>
-              </a:solidFill>
-            </a:endParaRPr>
-          </a:p>
-        </p:txBody>
-      </p:sp>
-      <p:sp>
-        <p:nvSpPr>
-          <p:cNvPr id="13" name="矩形 46"/>
-          <p:cNvSpPr/>
-          <p:nvPr/>
-        </p:nvSpPr>
-        <p:spPr>
-          <a:xfrm>
-            <a:off x="7276697" y="2083052"/>
-            <a:ext cx="3580161" cy="784830"/>
-          </a:xfrm>
-          <a:prstGeom prst="rect">
-            <a:avLst/>
-          </a:prstGeom>
-        </p:spPr>
-        <p:txBody>
-          <a:bodyPr wrap="square">
-            <a:spAutoFit/>
-          </a:bodyPr>
-          <a:lstStyle/>
-          <a:p>
-            <a:pPr defTabSz="1219170">
-              <a:lnSpc>
-                <a:spcPct val="150000"/>
-              </a:lnSpc>
-              <a:defRPr/>
-            </a:pPr>
-            <a:r>
-              <a:rPr lang="en-US" altLang="zh-CN" sz="1000" dirty="0">
-                <a:solidFill>
-                  <a:schemeClr val="bg1"/>
-                </a:solidFill>
-                <a:latin typeface="+mn-ea"/>
-                <a:hlinkClick r:id="rId3"/>
-              </a:rPr>
-              <a:t>http://blog.csdn.net/u010751535/article/details/50806073</a:t>
-            </a:r>
-            <a:endParaRPr lang="en-US" altLang="zh-CN" sz="1000" dirty="0">
-              <a:solidFill>
-                <a:schemeClr val="bg1"/>
-              </a:solidFill>
-              <a:latin typeface="+mn-ea"/>
-            </a:endParaRPr>
-          </a:p>
-          <a:p>
-            <a:pPr defTabSz="1219170">
-              <a:lnSpc>
-                <a:spcPct val="150000"/>
-              </a:lnSpc>
-              <a:defRPr/>
-            </a:pPr>
-            <a:endParaRPr lang="zh-CN" altLang="en-US" sz="1000" dirty="0">
-              <a:solidFill>
-                <a:schemeClr val="bg1"/>
-              </a:solidFill>
-              <a:latin typeface="+mn-ea"/>
-            </a:endParaRPr>
-          </a:p>
-        </p:txBody>
-      </p:sp>
-      <p:sp>
-        <p:nvSpPr>
-          <p:cNvPr id="14" name="矩形 4"/>
-          <p:cNvSpPr/>
-          <p:nvPr/>
-        </p:nvSpPr>
-        <p:spPr>
-          <a:xfrm>
-            <a:off x="7276697" y="1717508"/>
-            <a:ext cx="697627" cy="452881"/>
-          </a:xfrm>
-          <a:prstGeom prst="rect">
-            <a:avLst/>
-          </a:prstGeom>
-        </p:spPr>
-        <p:txBody>
-          <a:bodyPr wrap="none">
-            <a:spAutoFit/>
-          </a:bodyPr>
-          <a:lstStyle/>
-          <a:p>
-            <a:pPr defTabSz="1219170">
-              <a:lnSpc>
-                <a:spcPct val="130000"/>
-              </a:lnSpc>
-              <a:defRPr/>
-            </a:pPr>
-            <a:r>
-              <a:rPr lang="zh-CN" altLang="en-US" sz="2000" b="1" kern="0" dirty="0">
-                <a:solidFill>
-                  <a:schemeClr val="bg1"/>
-                </a:solidFill>
-              </a:rPr>
-              <a:t>安装</a:t>
-            </a:r>
-            <a:endParaRPr lang="en-US" altLang="zh-CN" sz="2000" b="1" kern="0" dirty="0">
-              <a:solidFill>
-                <a:schemeClr val="bg1"/>
-              </a:solidFill>
-            </a:endParaRPr>
-          </a:p>
-        </p:txBody>
-      </p:sp>
-      <p:sp>
-        <p:nvSpPr>
-          <p:cNvPr id="15" name="矩形 46"/>
-          <p:cNvSpPr/>
-          <p:nvPr/>
-        </p:nvSpPr>
-        <p:spPr>
-          <a:xfrm>
-            <a:off x="2022526" y="3452729"/>
-            <a:ext cx="3580161" cy="2400657"/>
-          </a:xfrm>
-          <a:prstGeom prst="rect">
-            <a:avLst/>
-          </a:prstGeom>
-        </p:spPr>
-        <p:txBody>
-          <a:bodyPr wrap="square">
-            <a:spAutoFit/>
-          </a:bodyPr>
-          <a:lstStyle/>
-          <a:p>
-            <a:pPr defTabSz="1219170">
-              <a:lnSpc>
-                <a:spcPct val="150000"/>
-              </a:lnSpc>
-              <a:defRPr/>
-            </a:pPr>
-            <a:r>
-              <a:rPr lang="en-US" altLang="zh-CN" sz="1000" dirty="0">
-                <a:solidFill>
-                  <a:schemeClr val="bg1"/>
-                </a:solidFill>
-                <a:latin typeface="+mn-ea"/>
-                <a:hlinkClick r:id="rId4"/>
-              </a:rPr>
-              <a:t>https://yjango.gitbooks.io/superorganism/content/tensorflowji_ben_yong_fa.html</a:t>
-            </a:r>
-            <a:endParaRPr lang="en-US" altLang="zh-CN" sz="1000" dirty="0">
-              <a:solidFill>
-                <a:schemeClr val="bg1"/>
-              </a:solidFill>
-              <a:latin typeface="+mn-ea"/>
-            </a:endParaRPr>
-          </a:p>
-          <a:p>
-            <a:pPr defTabSz="1219170">
-              <a:lnSpc>
-                <a:spcPct val="150000"/>
-              </a:lnSpc>
-              <a:defRPr/>
-            </a:pPr>
-            <a:r>
-              <a:rPr lang="en-US" altLang="zh-CN" sz="1000" dirty="0">
-                <a:solidFill>
-                  <a:schemeClr val="bg1"/>
-                </a:solidFill>
-                <a:latin typeface="+mn-ea"/>
-                <a:hlinkClick r:id="rId5"/>
-              </a:rPr>
-              <a:t>https://yjango.gitbooks.io/superorganism/content/dai_ma_yan_shi.html</a:t>
-            </a:r>
-            <a:endParaRPr lang="en-US" altLang="zh-CN" sz="1000" dirty="0">
-              <a:solidFill>
-                <a:schemeClr val="bg1"/>
-              </a:solidFill>
-              <a:latin typeface="+mn-ea"/>
-            </a:endParaRPr>
-          </a:p>
-          <a:p>
-            <a:pPr defTabSz="1219170">
-              <a:lnSpc>
-                <a:spcPct val="150000"/>
-              </a:lnSpc>
-              <a:defRPr/>
-            </a:pPr>
-            <a:r>
-              <a:rPr lang="en-US" altLang="zh-CN" sz="1000" dirty="0">
-                <a:solidFill>
-                  <a:schemeClr val="bg1"/>
-                </a:solidFill>
-                <a:latin typeface="+mn-ea"/>
-                <a:hlinkClick r:id="rId6"/>
-              </a:rPr>
-              <a:t>https://yjango.gitbooks.io/superorganism/content/dai_ma_yan_shi_2.html</a:t>
-            </a:r>
-            <a:endParaRPr lang="en-US" altLang="zh-CN" sz="1000" dirty="0">
-              <a:solidFill>
-                <a:schemeClr val="bg1"/>
-              </a:solidFill>
-              <a:latin typeface="+mn-ea"/>
-            </a:endParaRPr>
-          </a:p>
-          <a:p>
-            <a:pPr defTabSz="1219170">
-              <a:lnSpc>
-                <a:spcPct val="150000"/>
-              </a:lnSpc>
-              <a:defRPr/>
-            </a:pPr>
-            <a:r>
-              <a:rPr lang="en-US" altLang="zh-CN" sz="1000" dirty="0">
-                <a:solidFill>
-                  <a:schemeClr val="bg1"/>
-                </a:solidFill>
-                <a:latin typeface="+mn-ea"/>
-                <a:hlinkClick r:id="rId7"/>
-              </a:rPr>
-              <a:t>https://yjango.gitbooks.io/superorganism/content/%E4%BB%A3%E7%A0%81%E6%BC%94%E7%A4%BAlv3.html</a:t>
-            </a:r>
-            <a:endParaRPr lang="en-US" altLang="zh-CN" sz="1000" dirty="0">
-              <a:solidFill>
-                <a:schemeClr val="bg1"/>
-              </a:solidFill>
-              <a:latin typeface="+mn-ea"/>
-            </a:endParaRPr>
-          </a:p>
-          <a:p>
-            <a:pPr defTabSz="1219170">
-              <a:lnSpc>
-                <a:spcPct val="150000"/>
-              </a:lnSpc>
-              <a:defRPr/>
-            </a:pPr>
-            <a:endParaRPr lang="zh-CN" altLang="en-US" sz="1000" dirty="0">
-              <a:solidFill>
-                <a:schemeClr val="bg1"/>
-              </a:solidFill>
-              <a:latin typeface="+mn-ea"/>
-            </a:endParaRPr>
-          </a:p>
-        </p:txBody>
-      </p:sp>
-      <p:sp>
-        <p:nvSpPr>
-          <p:cNvPr id="16" name="矩形 4"/>
-          <p:cNvSpPr/>
-          <p:nvPr/>
-        </p:nvSpPr>
-        <p:spPr>
-          <a:xfrm>
-            <a:off x="2022526" y="3087185"/>
-            <a:ext cx="2669320" cy="492443"/>
-          </a:xfrm>
-          <a:prstGeom prst="rect">
-            <a:avLst/>
-          </a:prstGeom>
-        </p:spPr>
-        <p:txBody>
-          <a:bodyPr wrap="none">
-            <a:spAutoFit/>
-          </a:bodyPr>
-          <a:lstStyle/>
-          <a:p>
-            <a:pPr defTabSz="1219170">
-              <a:lnSpc>
-                <a:spcPct val="130000"/>
-              </a:lnSpc>
-              <a:defRPr/>
-            </a:pPr>
-            <a:r>
-              <a:rPr lang="zh-CN" altLang="en-US" sz="2000" b="1" kern="0" dirty="0">
-                <a:solidFill>
-                  <a:schemeClr val="bg1"/>
-                </a:solidFill>
-              </a:rPr>
-              <a:t>教程三步（</a:t>
-            </a:r>
-            <a:r>
-              <a:rPr lang="en-US" altLang="zh-CN" sz="2000" b="1" kern="0" dirty="0" err="1">
-                <a:solidFill>
-                  <a:schemeClr val="bg1"/>
-                </a:solidFill>
-              </a:rPr>
-              <a:t>gitbook</a:t>
-            </a:r>
-            <a:r>
-              <a:rPr lang="zh-CN" altLang="en-US" sz="2000" b="1" kern="0" dirty="0">
-                <a:solidFill>
-                  <a:schemeClr val="bg1"/>
-                </a:solidFill>
-              </a:rPr>
-              <a:t>）</a:t>
-            </a:r>
-            <a:endParaRPr lang="en-US" altLang="zh-CN" sz="2000" b="1" kern="0" dirty="0">
-              <a:solidFill>
-                <a:schemeClr val="bg1"/>
-              </a:solidFill>
-            </a:endParaRPr>
-          </a:p>
-        </p:txBody>
-      </p:sp>
-      <p:sp>
-        <p:nvSpPr>
-          <p:cNvPr id="17" name="矩形 46"/>
-          <p:cNvSpPr/>
-          <p:nvPr/>
-        </p:nvSpPr>
-        <p:spPr>
-          <a:xfrm>
-            <a:off x="7276697" y="3452729"/>
-            <a:ext cx="3580161" cy="1246495"/>
-          </a:xfrm>
-          <a:prstGeom prst="rect">
-            <a:avLst/>
-          </a:prstGeom>
-        </p:spPr>
-        <p:txBody>
-          <a:bodyPr wrap="square">
-            <a:spAutoFit/>
-          </a:bodyPr>
-          <a:lstStyle/>
-          <a:p>
-            <a:pPr defTabSz="1219170">
-              <a:lnSpc>
-                <a:spcPct val="150000"/>
-              </a:lnSpc>
-              <a:defRPr/>
-            </a:pPr>
-            <a:r>
-              <a:rPr lang="en-US" altLang="zh-CN" sz="1000" dirty="0">
-                <a:solidFill>
-                  <a:schemeClr val="bg1"/>
-                </a:solidFill>
-                <a:latin typeface="+mn-ea"/>
-                <a:hlinkClick r:id="rId8"/>
-              </a:rPr>
-              <a:t>http://www.kancloud.cn/yjango/superorganism/265442</a:t>
-            </a:r>
-            <a:endParaRPr lang="en-US" altLang="zh-CN" sz="1000" dirty="0">
-              <a:solidFill>
-                <a:schemeClr val="bg1"/>
-              </a:solidFill>
-              <a:latin typeface="+mn-ea"/>
-            </a:endParaRPr>
-          </a:p>
-          <a:p>
-            <a:pPr defTabSz="1219170">
-              <a:lnSpc>
-                <a:spcPct val="150000"/>
-              </a:lnSpc>
-              <a:defRPr/>
-            </a:pPr>
-            <a:r>
-              <a:rPr lang="en-US" altLang="zh-CN" sz="1000" dirty="0">
-                <a:solidFill>
-                  <a:schemeClr val="bg1"/>
-                </a:solidFill>
-                <a:latin typeface="+mn-ea"/>
-                <a:hlinkClick r:id="rId9"/>
-              </a:rPr>
-              <a:t>http://www.kancloud.cn/yjango/superorganism/265443</a:t>
-            </a:r>
-            <a:endParaRPr lang="en-US" altLang="zh-CN" sz="1000" dirty="0">
-              <a:solidFill>
-                <a:schemeClr val="bg1"/>
-              </a:solidFill>
-              <a:latin typeface="+mn-ea"/>
-            </a:endParaRPr>
-          </a:p>
-          <a:p>
-            <a:pPr defTabSz="1219170">
-              <a:lnSpc>
-                <a:spcPct val="150000"/>
-              </a:lnSpc>
-              <a:defRPr/>
-            </a:pPr>
-            <a:r>
-              <a:rPr lang="en-US" altLang="zh-CN" sz="1000" dirty="0">
-                <a:solidFill>
-                  <a:schemeClr val="bg1"/>
-                </a:solidFill>
-                <a:latin typeface="+mn-ea"/>
-                <a:hlinkClick r:id="rId10"/>
-              </a:rPr>
-              <a:t>http://www.kancloud.cn/yjango/superorganism/265444</a:t>
-            </a:r>
-            <a:endParaRPr lang="en-US" altLang="zh-CN" sz="1000" dirty="0">
-              <a:solidFill>
-                <a:schemeClr val="bg1"/>
-              </a:solidFill>
-              <a:latin typeface="+mn-ea"/>
-            </a:endParaRPr>
-          </a:p>
-          <a:p>
-            <a:pPr defTabSz="1219170">
-              <a:lnSpc>
-                <a:spcPct val="150000"/>
-              </a:lnSpc>
-              <a:defRPr/>
-            </a:pPr>
-            <a:r>
-              <a:rPr lang="en-US" altLang="zh-CN" sz="1000" dirty="0">
-                <a:solidFill>
-                  <a:schemeClr val="bg1"/>
-                </a:solidFill>
-                <a:latin typeface="+mn-ea"/>
-                <a:hlinkClick r:id="rId11"/>
-              </a:rPr>
-              <a:t>http://www.kancloud.cn/yjango/superorganism/265445</a:t>
-            </a:r>
-            <a:endParaRPr lang="en-US" altLang="zh-CN" sz="1000" dirty="0">
-              <a:solidFill>
-                <a:schemeClr val="bg1"/>
-              </a:solidFill>
-              <a:latin typeface="+mn-ea"/>
-            </a:endParaRPr>
-          </a:p>
-          <a:p>
-            <a:pPr defTabSz="1219170">
-              <a:lnSpc>
-                <a:spcPct val="150000"/>
-              </a:lnSpc>
-              <a:defRPr/>
-            </a:pPr>
-            <a:endParaRPr lang="zh-CN" altLang="en-US" sz="1000" dirty="0">
-              <a:solidFill>
-                <a:schemeClr val="bg1"/>
-              </a:solidFill>
-              <a:latin typeface="+mn-ea"/>
-            </a:endParaRPr>
-          </a:p>
-        </p:txBody>
-      </p:sp>
-      <p:sp>
-        <p:nvSpPr>
-          <p:cNvPr id="18" name="矩形 4"/>
-          <p:cNvSpPr/>
-          <p:nvPr/>
-        </p:nvSpPr>
-        <p:spPr>
-          <a:xfrm>
-            <a:off x="7276697" y="3087185"/>
-            <a:ext cx="2236510" cy="492443"/>
-          </a:xfrm>
-          <a:prstGeom prst="rect">
-            <a:avLst/>
-          </a:prstGeom>
-        </p:spPr>
-        <p:txBody>
-          <a:bodyPr wrap="none">
-            <a:spAutoFit/>
-          </a:bodyPr>
-          <a:lstStyle/>
-          <a:p>
-            <a:pPr defTabSz="1219170">
-              <a:lnSpc>
-                <a:spcPct val="130000"/>
-              </a:lnSpc>
-              <a:defRPr/>
-            </a:pPr>
-            <a:r>
-              <a:rPr lang="zh-CN" altLang="en-US" sz="2000" b="1" kern="0" dirty="0">
-                <a:solidFill>
-                  <a:schemeClr val="bg1"/>
-                </a:solidFill>
-              </a:rPr>
-              <a:t>教程三步（看云）</a:t>
-            </a:r>
-            <a:endParaRPr lang="en-US" altLang="zh-CN" sz="2000" b="1" kern="0" dirty="0">
-              <a:solidFill>
-                <a:schemeClr val="bg1"/>
-              </a:solidFill>
-            </a:endParaRPr>
-          </a:p>
-        </p:txBody>
-      </p:sp>
-      <p:sp>
-        <p:nvSpPr>
-          <p:cNvPr id="28" name="矩形 27"/>
-          <p:cNvSpPr/>
-          <p:nvPr/>
-        </p:nvSpPr>
-        <p:spPr>
-          <a:xfrm>
-            <a:off x="9924458" y="6465546"/>
-            <a:ext cx="1889590" cy="369332"/>
-          </a:xfrm>
-          <a:prstGeom prst="rect">
-            <a:avLst/>
-          </a:prstGeom>
-        </p:spPr>
-        <p:txBody>
-          <a:bodyPr wrap="square">
-            <a:spAutoFit/>
-          </a:bodyPr>
-          <a:lstStyle/>
-          <a:p>
-            <a:pPr algn="ctr"/>
-            <a:r>
-              <a:rPr lang="en-US" altLang="zh-CN" b="1" dirty="0">
-                <a:ln w="6600">
-                  <a:solidFill>
-                    <a:schemeClr val="accent2"/>
-                  </a:solidFill>
-                  <a:prstDash val="solid"/>
-                </a:ln>
-                <a:solidFill>
-                  <a:srgbClr val="FFFFFF"/>
-                </a:solidFill>
-                <a:effectLst>
-                  <a:outerShdw dist="38100" dir="2700000" algn="tl" rotWithShape="0">
-                    <a:schemeClr val="accent2"/>
-                  </a:outerShdw>
-                </a:effectLst>
-                <a:latin typeface="Castellar" panose="020A0402060406010301" pitchFamily="18" charset="0"/>
-              </a:rPr>
-              <a:t>Y Jango</a:t>
-            </a:r>
-            <a:endParaRPr lang="zh-CN" altLang="en-US" b="1" dirty="0">
-              <a:ln w="6600">
-                <a:solidFill>
-                  <a:schemeClr val="accent2"/>
-                </a:solidFill>
-                <a:prstDash val="solid"/>
-              </a:ln>
-              <a:solidFill>
-                <a:srgbClr val="FFFFFF"/>
-              </a:solidFill>
-              <a:effectLst>
-                <a:outerShdw dist="38100" dir="2700000" algn="tl" rotWithShape="0">
-                  <a:schemeClr val="accent2"/>
-                </a:outerShdw>
-              </a:effectLst>
-              <a:latin typeface="Castellar" panose="020A0402060406010301" pitchFamily="18" charset="0"/>
-            </a:endParaRPr>
+              <a:t>如何上手</a:t>
+            </a:r>
           </a:p>
         </p:txBody>
       </p:sp>
     </p:spTree>
     <p:extLst>
       <p:ext uri="{BB962C8B-B14F-4D97-AF65-F5344CB8AC3E}">
-        <p14:creationId xmlns:p14="http://schemas.microsoft.com/office/powerpoint/2010/main" val="884176152"/>
+        <p14:creationId xmlns:p14="http://schemas.microsoft.com/office/powerpoint/2010/main" val="127983466"/>
       </p:ext>
     </p:extLst>
   </p:cSld>
@@ -35152,125 +35406,23 @@
           <a:p>
             <a:r>
               <a:rPr lang="zh-CN" altLang="en-US" dirty="0"/>
-              <a:t>人工智能对我们的影响</a:t>
-            </a:r>
-          </a:p>
-        </p:txBody>
-      </p:sp>
-      <p:pic>
-        <p:nvPicPr>
-          <p:cNvPr id="5" name="Picture 2"/>
-          <p:cNvPicPr>
-            <a:picLocks noChangeAspect="1" noChangeArrowheads="1"/>
-          </p:cNvPicPr>
-          <p:nvPr/>
-        </p:nvPicPr>
-        <p:blipFill>
-          <a:blip r:embed="rId2"/>
-          <a:stretch>
-            <a:fillRect/>
-          </a:stretch>
-        </p:blipFill>
-        <p:spPr bwMode="auto">
-          <a:xfrm>
-            <a:off x="1197076" y="2109649"/>
-            <a:ext cx="2461964" cy="2325189"/>
-          </a:xfrm>
-          <a:prstGeom prst="rect">
-            <a:avLst/>
-          </a:prstGeom>
-          <a:noFill/>
-          <a:extLst>
-            <a:ext uri="{909E8E84-426E-40DD-AFC4-6F175D3DCCD1}">
-              <a14:hiddenFill xmlns:a14="http://schemas.microsoft.com/office/drawing/2010/main">
-                <a:solidFill>
-                  <a:srgbClr val="FFFFFF"/>
-                </a:solidFill>
-              </a14:hiddenFill>
-            </a:ext>
-          </a:extLst>
-        </p:spPr>
-      </p:pic>
-      <p:pic>
-        <p:nvPicPr>
-          <p:cNvPr id="6" name="Picture 2"/>
-          <p:cNvPicPr>
-            <a:picLocks noChangeAspect="1" noChangeArrowheads="1"/>
-          </p:cNvPicPr>
-          <p:nvPr/>
-        </p:nvPicPr>
-        <p:blipFill>
-          <a:blip r:embed="rId3"/>
-          <a:stretch>
-            <a:fillRect/>
-          </a:stretch>
-        </p:blipFill>
-        <p:spPr bwMode="auto">
-          <a:xfrm>
-            <a:off x="4718518" y="2109649"/>
-            <a:ext cx="2754963" cy="2325189"/>
-          </a:xfrm>
-          <a:prstGeom prst="rect">
-            <a:avLst/>
-          </a:prstGeom>
-          <a:noFill/>
-          <a:extLst>
-            <a:ext uri="{909E8E84-426E-40DD-AFC4-6F175D3DCCD1}">
-              <a14:hiddenFill xmlns:a14="http://schemas.microsoft.com/office/drawing/2010/main">
-                <a:solidFill>
-                  <a:srgbClr val="FFFFFF"/>
-                </a:solidFill>
-              </a14:hiddenFill>
-            </a:ext>
-          </a:extLst>
-        </p:spPr>
-      </p:pic>
-      <p:pic>
-        <p:nvPicPr>
-          <p:cNvPr id="7" name="Picture 2"/>
-          <p:cNvPicPr>
-            <a:picLocks noChangeAspect="1" noChangeArrowheads="1"/>
-          </p:cNvPicPr>
-          <p:nvPr/>
-        </p:nvPicPr>
-        <p:blipFill>
-          <a:blip r:embed="rId4"/>
-          <a:stretch>
-            <a:fillRect/>
-          </a:stretch>
-        </p:blipFill>
-        <p:spPr bwMode="auto">
-          <a:xfrm>
-            <a:off x="8020050" y="2109649"/>
-            <a:ext cx="3487783" cy="2325189"/>
-          </a:xfrm>
-          <a:prstGeom prst="rect">
-            <a:avLst/>
-          </a:prstGeom>
-          <a:noFill/>
-          <a:extLst>
-            <a:ext uri="{909E8E84-426E-40DD-AFC4-6F175D3DCCD1}">
-              <a14:hiddenFill xmlns:a14="http://schemas.microsoft.com/office/drawing/2010/main">
-                <a:solidFill>
-                  <a:srgbClr val="FFFFFF"/>
-                </a:solidFill>
-              </a14:hiddenFill>
-            </a:ext>
-          </a:extLst>
-        </p:spPr>
-      </p:pic>
-      <p:sp>
-        <p:nvSpPr>
-          <p:cNvPr id="8" name="Rectangle 7"/>
+              <a:t>教程</a:t>
+            </a:r>
+          </a:p>
+        </p:txBody>
+      </p:sp>
+      <p:sp>
+        <p:nvSpPr>
+          <p:cNvPr id="6" name="Oval 5"/>
           <p:cNvSpPr/>
           <p:nvPr/>
         </p:nvSpPr>
         <p:spPr>
           <a:xfrm>
-            <a:off x="1069521" y="4376056"/>
-            <a:ext cx="2717074" cy="111034"/>
-          </a:xfrm>
-          <a:prstGeom prst="rect">
+            <a:off x="1030515" y="1732119"/>
+            <a:ext cx="928914" cy="928914"/>
+          </a:xfrm>
+          <a:prstGeom prst="ellipse">
             <a:avLst/>
           </a:prstGeom>
           <a:solidFill>
@@ -35305,25 +35457,28 @@
                 <a:spcPct val="130000"/>
               </a:lnSpc>
             </a:pPr>
-            <a:endParaRPr lang="en-US" sz="1200" dirty="0">
-              <a:latin typeface="微软雅黑" panose="020B0503020204020204" pitchFamily="34" charset="-122"/>
-              <a:ea typeface="微软雅黑" panose="020B0503020204020204" pitchFamily="34" charset="-122"/>
-            </a:endParaRPr>
-          </a:p>
-        </p:txBody>
-      </p:sp>
-      <p:sp>
-        <p:nvSpPr>
-          <p:cNvPr id="9" name="Rectangle 8"/>
+            <a:r>
+              <a:rPr lang="en-US" sz="2800" b="1" dirty="0">
+                <a:latin typeface="微软雅黑" panose="020B0503020204020204" pitchFamily="34" charset="-122"/>
+                <a:ea typeface="微软雅黑" panose="020B0503020204020204" pitchFamily="34" charset="-122"/>
+              </a:rPr>
+              <a:t>01</a:t>
+            </a:r>
+          </a:p>
+        </p:txBody>
+      </p:sp>
+      <p:sp>
+        <p:nvSpPr>
+          <p:cNvPr id="7" name="Oval 6"/>
           <p:cNvSpPr/>
           <p:nvPr/>
         </p:nvSpPr>
         <p:spPr>
           <a:xfrm>
-            <a:off x="4737463" y="4376056"/>
-            <a:ext cx="2717074" cy="111034"/>
-          </a:xfrm>
-          <a:prstGeom prst="rect">
+            <a:off x="6197600" y="1732119"/>
+            <a:ext cx="928914" cy="928914"/>
+          </a:xfrm>
+          <a:prstGeom prst="ellipse">
             <a:avLst/>
           </a:prstGeom>
           <a:solidFill>
@@ -35358,25 +35513,28 @@
                 <a:spcPct val="130000"/>
               </a:lnSpc>
             </a:pPr>
-            <a:endParaRPr lang="en-US" sz="1200" dirty="0">
-              <a:latin typeface="微软雅黑" panose="020B0503020204020204" pitchFamily="34" charset="-122"/>
-              <a:ea typeface="微软雅黑" panose="020B0503020204020204" pitchFamily="34" charset="-122"/>
-            </a:endParaRPr>
-          </a:p>
-        </p:txBody>
-      </p:sp>
-      <p:sp>
-        <p:nvSpPr>
-          <p:cNvPr id="10" name="Rectangle 9"/>
+            <a:r>
+              <a:rPr lang="en-US" sz="2800" b="1" dirty="0">
+                <a:latin typeface="微软雅黑" panose="020B0503020204020204" pitchFamily="34" charset="-122"/>
+                <a:ea typeface="微软雅黑" panose="020B0503020204020204" pitchFamily="34" charset="-122"/>
+              </a:rPr>
+              <a:t>02</a:t>
+            </a:r>
+          </a:p>
+        </p:txBody>
+      </p:sp>
+      <p:sp>
+        <p:nvSpPr>
+          <p:cNvPr id="9" name="Oval 8"/>
           <p:cNvSpPr/>
           <p:nvPr/>
         </p:nvSpPr>
         <p:spPr>
           <a:xfrm>
-            <a:off x="8405405" y="4376056"/>
-            <a:ext cx="2717074" cy="111034"/>
-          </a:xfrm>
-          <a:prstGeom prst="rect">
+            <a:off x="1030515" y="3077813"/>
+            <a:ext cx="928914" cy="928914"/>
+          </a:xfrm>
+          <a:prstGeom prst="ellipse">
             <a:avLst/>
           </a:prstGeom>
           <a:solidFill>
@@ -35411,9 +35569,128 @@
                 <a:spcPct val="130000"/>
               </a:lnSpc>
             </a:pPr>
-            <a:endParaRPr lang="en-US" sz="1200" dirty="0">
-              <a:latin typeface="微软雅黑" panose="020B0503020204020204" pitchFamily="34" charset="-122"/>
-              <a:ea typeface="微软雅黑" panose="020B0503020204020204" pitchFamily="34" charset="-122"/>
+            <a:r>
+              <a:rPr lang="en-US" sz="2800" b="1" dirty="0">
+                <a:latin typeface="微软雅黑" panose="020B0503020204020204" pitchFamily="34" charset="-122"/>
+                <a:ea typeface="微软雅黑" panose="020B0503020204020204" pitchFamily="34" charset="-122"/>
+              </a:rPr>
+              <a:t>03</a:t>
+            </a:r>
+          </a:p>
+        </p:txBody>
+      </p:sp>
+      <p:sp>
+        <p:nvSpPr>
+          <p:cNvPr id="10" name="Oval 9"/>
+          <p:cNvSpPr/>
+          <p:nvPr/>
+        </p:nvSpPr>
+        <p:spPr>
+          <a:xfrm>
+            <a:off x="6197600" y="3077813"/>
+            <a:ext cx="928914" cy="928914"/>
+          </a:xfrm>
+          <a:prstGeom prst="ellipse">
+            <a:avLst/>
+          </a:prstGeom>
+          <a:solidFill>
+            <a:schemeClr val="accent1"/>
+          </a:solidFill>
+          <a:ln>
+            <a:noFill/>
+          </a:ln>
+        </p:spPr>
+        <p:style>
+          <a:lnRef idx="2">
+            <a:schemeClr val="accent1">
+              <a:shade val="50000"/>
+            </a:schemeClr>
+          </a:lnRef>
+          <a:fillRef idx="1">
+            <a:schemeClr val="accent1"/>
+          </a:fillRef>
+          <a:effectRef idx="0">
+            <a:schemeClr val="accent1"/>
+          </a:effectRef>
+          <a:fontRef idx="minor">
+            <a:schemeClr val="lt1"/>
+          </a:fontRef>
+        </p:style>
+        <p:txBody>
+          <a:bodyPr rtlCol="0" anchor="ctr"/>
+          <a:lstStyle/>
+          <a:p>
+            <a:pPr algn="ctr">
+              <a:lnSpc>
+                <a:spcPct val="130000"/>
+              </a:lnSpc>
+            </a:pPr>
+            <a:r>
+              <a:rPr lang="en-US" sz="2800" b="1" dirty="0">
+                <a:latin typeface="微软雅黑" panose="020B0503020204020204" pitchFamily="34" charset="-122"/>
+                <a:ea typeface="微软雅黑" panose="020B0503020204020204" pitchFamily="34" charset="-122"/>
+              </a:rPr>
+              <a:t>04</a:t>
+            </a:r>
+          </a:p>
+        </p:txBody>
+      </p:sp>
+      <p:sp>
+        <p:nvSpPr>
+          <p:cNvPr id="11" name="矩形 46"/>
+          <p:cNvSpPr/>
+          <p:nvPr/>
+        </p:nvSpPr>
+        <p:spPr>
+          <a:xfrm>
+            <a:off x="2022526" y="2083052"/>
+            <a:ext cx="3580161" cy="553998"/>
+          </a:xfrm>
+          <a:prstGeom prst="rect">
+            <a:avLst/>
+          </a:prstGeom>
+        </p:spPr>
+        <p:txBody>
+          <a:bodyPr wrap="square">
+            <a:spAutoFit/>
+          </a:bodyPr>
+          <a:lstStyle/>
+          <a:p>
+            <a:pPr defTabSz="1219170">
+              <a:lnSpc>
+                <a:spcPct val="150000"/>
+              </a:lnSpc>
+              <a:defRPr/>
+            </a:pPr>
+            <a:r>
+              <a:rPr lang="en-US" altLang="zh-CN" sz="1000" dirty="0">
+                <a:solidFill>
+                  <a:schemeClr val="bg1"/>
+                </a:solidFill>
+                <a:latin typeface="+mn-ea"/>
+                <a:hlinkClick r:id="rId2"/>
+              </a:rPr>
+              <a:t>http://cs231n.github.io/convolutional-networks/</a:t>
+            </a:r>
+            <a:endParaRPr lang="en-US" altLang="zh-CN" sz="1000" dirty="0">
+              <a:solidFill>
+                <a:schemeClr val="bg1"/>
+              </a:solidFill>
+              <a:latin typeface="+mn-ea"/>
+            </a:endParaRPr>
+          </a:p>
+          <a:p>
+            <a:pPr defTabSz="1219170">
+              <a:lnSpc>
+                <a:spcPct val="150000"/>
+              </a:lnSpc>
+              <a:defRPr/>
+            </a:pPr>
+            <a:endParaRPr lang="zh-CN" altLang="en-US" sz="1000" dirty="0">
+              <a:solidFill>
+                <a:schemeClr val="bg1"/>
+              </a:solidFill>
+              <a:latin typeface="+mn-ea"/>
             </a:endParaRPr>
           </a:p>
         </p:txBody>
@@ -35426,8 +35703,8 @@
         </p:nvSpPr>
         <p:spPr>
           <a:xfrm>
-            <a:off x="1412395" y="4514350"/>
-            <a:ext cx="2031325" cy="572464"/>
+            <a:off x="2022526" y="1717508"/>
+            <a:ext cx="2071401" cy="492443"/>
           </a:xfrm>
           <a:prstGeom prst="rect">
             <a:avLst/>
@@ -35439,24 +35716,92 @@
           </a:bodyPr>
           <a:lstStyle/>
           <a:p>
-            <a:pPr algn="ctr" defTabSz="1219170">
+            <a:pPr defTabSz="1219170">
               <a:lnSpc>
                 <a:spcPct val="130000"/>
               </a:lnSpc>
               <a:defRPr/>
             </a:pPr>
             <a:r>
-              <a:rPr lang="zh-CN" altLang="en-US" sz="2400" b="1" kern="0" dirty="0">
+              <a:rPr lang="en-US" altLang="zh-CN" sz="2000" b="1" kern="0" dirty="0">
                 <a:solidFill>
-                  <a:schemeClr val="accent2"/>
+                  <a:schemeClr val="bg1"/>
                 </a:solidFill>
               </a:rPr>
-              <a:t>帮助操作物体</a:t>
-            </a:r>
-            <a:endParaRPr lang="en-US" altLang="zh-CN" sz="2400" b="1" kern="0" dirty="0">
+              <a:t>Python</a:t>
+            </a:r>
+            <a:r>
+              <a:rPr lang="zh-CN" altLang="en-US" sz="2000" b="1" kern="0" dirty="0">
+                <a:solidFill>
+                  <a:schemeClr val="bg1"/>
+                </a:solidFill>
+              </a:rPr>
+              <a:t>矩阵操作</a:t>
+            </a:r>
+            <a:endParaRPr lang="en-US" altLang="zh-CN" sz="2000" b="1" kern="0" dirty="0">
               <a:solidFill>
-                <a:schemeClr val="accent2"/>
+                <a:schemeClr val="bg1"/>
               </a:solidFill>
+            </a:endParaRPr>
+          </a:p>
+        </p:txBody>
+      </p:sp>
+      <p:sp>
+        <p:nvSpPr>
+          <p:cNvPr id="13" name="矩形 46"/>
+          <p:cNvSpPr/>
+          <p:nvPr/>
+        </p:nvSpPr>
+        <p:spPr>
+          <a:xfrm>
+            <a:off x="7276697" y="2083052"/>
+            <a:ext cx="3580161" cy="784830"/>
+          </a:xfrm>
+          <a:prstGeom prst="rect">
+            <a:avLst/>
+          </a:prstGeom>
+        </p:spPr>
+        <p:txBody>
+          <a:bodyPr wrap="square">
+            <a:spAutoFit/>
+          </a:bodyPr>
+          <a:lstStyle/>
+          <a:p>
+            <a:pPr defTabSz="1219170">
+              <a:lnSpc>
+                <a:spcPct val="150000"/>
+              </a:lnSpc>
+              <a:defRPr/>
+            </a:pPr>
+            <a:r>
+              <a:rPr lang="en-US" altLang="zh-CN" sz="1000" dirty="0">
+                <a:solidFill>
+                  <a:schemeClr val="bg1"/>
+                </a:solidFill>
+                <a:latin typeface="+mn-ea"/>
+                <a:hlinkClick r:id="rId3"/>
+              </a:rPr>
+              <a:t>http://blog.csdn.net/u010751535/article/details/50806073</a:t>
+            </a:r>
+            <a:endParaRPr lang="en-US" altLang="zh-CN" sz="1000" dirty="0">
+              <a:solidFill>
+                <a:schemeClr val="bg1"/>
+              </a:solidFill>
+              <a:latin typeface="+mn-ea"/>
+            </a:endParaRPr>
+          </a:p>
+          <a:p>
+            <a:pPr defTabSz="1219170">
+              <a:lnSpc>
+                <a:spcPct val="150000"/>
+              </a:lnSpc>
+              <a:defRPr/>
+            </a:pPr>
+            <a:endParaRPr lang="zh-CN" altLang="en-US" sz="1000" dirty="0">
+              <a:solidFill>
+                <a:schemeClr val="bg1"/>
+              </a:solidFill>
+              <a:latin typeface="+mn-ea"/>
             </a:endParaRPr>
           </a:p>
         </p:txBody>
@@ -35469,8 +35814,8 @@
         </p:nvSpPr>
         <p:spPr>
           <a:xfrm>
-            <a:off x="5080337" y="4514350"/>
-            <a:ext cx="2031325" cy="572464"/>
+            <a:off x="7276697" y="1717508"/>
+            <a:ext cx="697627" cy="452881"/>
           </a:xfrm>
           <a:prstGeom prst="rect">
             <a:avLst/>
@@ -35482,24 +35827,156 @@
           </a:bodyPr>
           <a:lstStyle/>
           <a:p>
-            <a:pPr algn="ctr" defTabSz="1219170">
+            <a:pPr defTabSz="1219170">
               <a:lnSpc>
                 <a:spcPct val="130000"/>
               </a:lnSpc>
               <a:defRPr/>
             </a:pPr>
             <a:r>
-              <a:rPr lang="zh-CN" altLang="en-US" sz="2400" b="1" kern="0" dirty="0">
+              <a:rPr lang="zh-CN" altLang="en-US" sz="2000" b="1" kern="0" dirty="0">
                 <a:solidFill>
-                  <a:schemeClr val="accent2"/>
+                  <a:schemeClr val="bg1"/>
                 </a:solidFill>
               </a:rPr>
-              <a:t>帮助操作数据</a:t>
-            </a:r>
-            <a:endParaRPr lang="en-US" altLang="zh-CN" sz="2400" b="1" kern="0" dirty="0">
+              <a:t>安装</a:t>
+            </a:r>
+            <a:endParaRPr lang="en-US" altLang="zh-CN" sz="2000" b="1" kern="0" dirty="0">
               <a:solidFill>
-                <a:schemeClr val="accent2"/>
+                <a:schemeClr val="bg1"/>
               </a:solidFill>
+            </a:endParaRPr>
+          </a:p>
+        </p:txBody>
+      </p:sp>
+      <p:sp>
+        <p:nvSpPr>
+          <p:cNvPr id="15" name="矩形 46"/>
+          <p:cNvSpPr/>
+          <p:nvPr/>
+        </p:nvSpPr>
+        <p:spPr>
+          <a:xfrm>
+            <a:off x="2022526" y="3452729"/>
+            <a:ext cx="3580161" cy="2400657"/>
+          </a:xfrm>
+          <a:prstGeom prst="rect">
+            <a:avLst/>
+          </a:prstGeom>
+        </p:spPr>
+        <p:txBody>
+          <a:bodyPr wrap="square">
+            <a:spAutoFit/>
+          </a:bodyPr>
+          <a:lstStyle/>
+          <a:p>
+            <a:pPr defTabSz="1219170">
+              <a:lnSpc>
+                <a:spcPct val="150000"/>
+              </a:lnSpc>
+              <a:defRPr/>
+            </a:pPr>
+            <a:r>
+              <a:rPr lang="en-US" altLang="zh-CN" sz="1000" dirty="0">
+                <a:solidFill>
+                  <a:schemeClr val="bg1"/>
+                </a:solidFill>
+                <a:latin typeface="+mn-ea"/>
+                <a:hlinkClick r:id="rId4"/>
+              </a:rPr>
+              <a:t>https://yjango.gitbooks.io/superorganism/content/tensorflowji_ben_yong_fa.html</a:t>
+            </a:r>
+            <a:endParaRPr lang="en-US" altLang="zh-CN" sz="1000" dirty="0">
+              <a:solidFill>
+                <a:schemeClr val="bg1"/>
+              </a:solidFill>
+              <a:latin typeface="+mn-ea"/>
+            </a:endParaRPr>
+          </a:p>
+          <a:p>
+            <a:pPr defTabSz="1219170">
+              <a:lnSpc>
+                <a:spcPct val="150000"/>
+              </a:lnSpc>
+              <a:defRPr/>
+            </a:pPr>
+            <a:r>
+              <a:rPr lang="en-US" altLang="zh-CN" sz="1000" dirty="0">
+                <a:solidFill>
+                  <a:schemeClr val="bg1"/>
+                </a:solidFill>
+                <a:latin typeface="+mn-ea"/>
+                <a:hlinkClick r:id="rId5"/>
+              </a:rPr>
+              <a:t>https://yjango.gitbooks.io/superorganism/content/dai_ma_yan_shi.html</a:t>
+            </a:r>
+            <a:endParaRPr lang="en-US" altLang="zh-CN" sz="1000" dirty="0">
+              <a:solidFill>
+                <a:schemeClr val="bg1"/>
+              </a:solidFill>
+              <a:latin typeface="+mn-ea"/>
+            </a:endParaRPr>
+          </a:p>
+          <a:p>
+            <a:pPr defTabSz="1219170">
+              <a:lnSpc>
+                <a:spcPct val="150000"/>
+              </a:lnSpc>
+              <a:defRPr/>
+            </a:pPr>
+            <a:r>
+              <a:rPr lang="en-US" altLang="zh-CN" sz="1000" dirty="0">
+                <a:solidFill>
+                  <a:schemeClr val="bg1"/>
+                </a:solidFill>
+                <a:latin typeface="+mn-ea"/>
+                <a:hlinkClick r:id="rId6"/>
+              </a:rPr>
+              <a:t>https://yjango.gitbooks.io/superorganism/content/dai_ma_yan_shi_2.html</a:t>
+            </a:r>
+            <a:endParaRPr lang="en-US" altLang="zh-CN" sz="1000" dirty="0">
+              <a:solidFill>
+                <a:schemeClr val="bg1"/>
+              </a:solidFill>
+              <a:latin typeface="+mn-ea"/>
+            </a:endParaRPr>
+          </a:p>
+          <a:p>
+            <a:pPr defTabSz="1219170">
+              <a:lnSpc>
+                <a:spcPct val="150000"/>
+              </a:lnSpc>
+              <a:defRPr/>
+            </a:pPr>
+            <a:r>
+              <a:rPr lang="en-US" altLang="zh-CN" sz="1000" dirty="0">
+                <a:solidFill>
+                  <a:schemeClr val="bg1"/>
+                </a:solidFill>
+                <a:latin typeface="+mn-ea"/>
+                <a:hlinkClick r:id="rId7"/>
+              </a:rPr>
+              <a:t>https://yjango.gitbooks.io/superorganism/content/%E4%BB%A3%E7%A0%81%E6%BC%94%E7%A4%BAlv3.html</a:t>
+            </a:r>
+            <a:endParaRPr lang="en-US" altLang="zh-CN" sz="1000" dirty="0">
+              <a:solidFill>
+                <a:schemeClr val="bg1"/>
+              </a:solidFill>
+              <a:latin typeface="+mn-ea"/>
+            </a:endParaRPr>
+          </a:p>
+          <a:p>
+            <a:pPr defTabSz="1219170">
+              <a:lnSpc>
+                <a:spcPct val="150000"/>
+              </a:lnSpc>
+              <a:defRPr/>
+            </a:pPr>
+            <a:endParaRPr lang="zh-CN" altLang="en-US" sz="1000" dirty="0">
+              <a:solidFill>
+                <a:schemeClr val="bg1"/>
+              </a:solidFill>
+              <a:latin typeface="+mn-ea"/>
             </a:endParaRPr>
           </a:p>
         </p:txBody>
@@ -35512,8 +35989,8 @@
         </p:nvSpPr>
         <p:spPr>
           <a:xfrm>
-            <a:off x="8748280" y="4514350"/>
-            <a:ext cx="2031325" cy="572464"/>
+            <a:off x="2022526" y="3087185"/>
+            <a:ext cx="2669320" cy="492443"/>
           </a:xfrm>
           <a:prstGeom prst="rect">
             <a:avLst/>
@@ -35525,23 +36002,39 @@
           </a:bodyPr>
           <a:lstStyle/>
           <a:p>
-            <a:pPr algn="ctr" defTabSz="1219170">
+            <a:pPr defTabSz="1219170">
               <a:lnSpc>
                 <a:spcPct val="130000"/>
               </a:lnSpc>
               <a:defRPr/>
             </a:pPr>
             <a:r>
-              <a:rPr lang="zh-CN" altLang="en-US" sz="2400" b="1" kern="0" dirty="0">
+              <a:rPr lang="zh-CN" altLang="en-US" sz="2000" b="1" kern="0" dirty="0">
                 <a:solidFill>
-                  <a:schemeClr val="accent2"/>
+                  <a:schemeClr val="bg1"/>
                 </a:solidFill>
               </a:rPr>
-              <a:t>帮助建立关联</a:t>
-            </a:r>
-            <a:endParaRPr lang="en-US" altLang="zh-CN" sz="2400" b="1" kern="0" dirty="0">
+              <a:t>教程三步（</a:t>
+            </a:r>
+            <a:r>
+              <a:rPr lang="en-US" altLang="zh-CN" sz="2000" b="1" kern="0" dirty="0" err="1">
+                <a:solidFill>
+                  <a:schemeClr val="bg1"/>
+                </a:solidFill>
+              </a:rPr>
+              <a:t>gitbook</a:t>
+            </a:r>
+            <a:r>
+              <a:rPr lang="zh-CN" altLang="en-US" sz="2000" b="1" kern="0" dirty="0">
+                <a:solidFill>
+                  <a:schemeClr val="bg1"/>
+                </a:solidFill>
+              </a:rPr>
+              <a:t>）</a:t>
+            </a:r>
+            <a:endParaRPr lang="en-US" altLang="zh-CN" sz="2000" b="1" kern="0" dirty="0">
               <a:solidFill>
-                <a:schemeClr val="accent2"/>
+                <a:schemeClr val="bg1"/>
               </a:solidFill>
             </a:endParaRPr>
           </a:p>
@@ -35549,7 +36042,182 @@
       </p:sp>
       <p:sp>
         <p:nvSpPr>
-          <p:cNvPr id="19" name="矩形 18"/>
+          <p:cNvPr id="17" name="矩形 46"/>
+          <p:cNvSpPr/>
+          <p:nvPr/>
+        </p:nvSpPr>
+        <p:spPr>
+          <a:xfrm>
+            <a:off x="7276697" y="3452729"/>
+            <a:ext cx="3580161" cy="1246495"/>
+          </a:xfrm>
+          <a:prstGeom prst="rect">
+            <a:avLst/>
+          </a:prstGeom>
+        </p:spPr>
+        <p:txBody>
+          <a:bodyPr wrap="square">
+            <a:spAutoFit/>
+          </a:bodyPr>
+          <a:lstStyle/>
+          <a:p>
+            <a:pPr defTabSz="1219170">
+              <a:lnSpc>
+                <a:spcPct val="150000"/>
+              </a:lnSpc>
+              <a:defRPr/>
+            </a:pPr>
+            <a:r>
+              <a:rPr lang="en-US" altLang="zh-CN" sz="1000" dirty="0">
+                <a:solidFill>
+                  <a:schemeClr val="bg1"/>
+                </a:solidFill>
+                <a:latin typeface="+mn-ea"/>
+                <a:hlinkClick r:id="rId8"/>
+              </a:rPr>
+              <a:t>http://www.kancloud.cn/yjango/superorganism/265442</a:t>
+            </a:r>
+            <a:endParaRPr lang="en-US" altLang="zh-CN" sz="1000" dirty="0">
+              <a:solidFill>
+                <a:schemeClr val="bg1"/>
+              </a:solidFill>
+              <a:latin typeface="+mn-ea"/>
+            </a:endParaRPr>
+          </a:p>
+          <a:p>
+            <a:pPr defTabSz="1219170">
+              <a:lnSpc>
+                <a:spcPct val="150000"/>
+              </a:lnSpc>
+              <a:defRPr/>
+            </a:pPr>
+            <a:r>
+              <a:rPr lang="en-US" altLang="zh-CN" sz="1000" dirty="0">
+                <a:solidFill>
+                  <a:schemeClr val="bg1"/>
+                </a:solidFill>
+                <a:latin typeface="+mn-ea"/>
+                <a:hlinkClick r:id="rId9"/>
+              </a:rPr>
+              <a:t>http://www.kancloud.cn/yjango/superorganism/265443</a:t>
+            </a:r>
+            <a:endParaRPr lang="en-US" altLang="zh-CN" sz="1000" dirty="0">
+              <a:solidFill>
+                <a:schemeClr val="bg1"/>
+              </a:solidFill>
+              <a:latin typeface="+mn-ea"/>
+            </a:endParaRPr>
+          </a:p>
+          <a:p>
+            <a:pPr defTabSz="1219170">
+              <a:lnSpc>
+                <a:spcPct val="150000"/>
+              </a:lnSpc>
+              <a:defRPr/>
+            </a:pPr>
+            <a:r>
+              <a:rPr lang="en-US" altLang="zh-CN" sz="1000" dirty="0">
+                <a:solidFill>
+                  <a:schemeClr val="bg1"/>
+                </a:solidFill>
+                <a:latin typeface="+mn-ea"/>
+                <a:hlinkClick r:id="rId10"/>
+              </a:rPr>
+              <a:t>http://www.kancloud.cn/yjango/superorganism/265444</a:t>
+            </a:r>
+            <a:endParaRPr lang="en-US" altLang="zh-CN" sz="1000" dirty="0">
+              <a:solidFill>
+                <a:schemeClr val="bg1"/>
+              </a:solidFill>
+              <a:latin typeface="+mn-ea"/>
+            </a:endParaRPr>
+          </a:p>
+          <a:p>
+            <a:pPr defTabSz="1219170">
+              <a:lnSpc>
+                <a:spcPct val="150000"/>
+              </a:lnSpc>
+              <a:defRPr/>
+            </a:pPr>
+            <a:r>
+              <a:rPr lang="en-US" altLang="zh-CN" sz="1000" dirty="0">
+                <a:solidFill>
+                  <a:schemeClr val="bg1"/>
+                </a:solidFill>
+                <a:latin typeface="+mn-ea"/>
+                <a:hlinkClick r:id="rId11"/>
+              </a:rPr>
+              <a:t>http://www.kancloud.cn/yjango/superorganism/265445</a:t>
+            </a:r>
+            <a:endParaRPr lang="en-US" altLang="zh-CN" sz="1000" dirty="0">
+              <a:solidFill>
+                <a:schemeClr val="bg1"/>
+              </a:solidFill>
+              <a:latin typeface="+mn-ea"/>
+            </a:endParaRPr>
+          </a:p>
+          <a:p>
+            <a:pPr defTabSz="1219170">
+              <a:lnSpc>
+                <a:spcPct val="150000"/>
+              </a:lnSpc>
+              <a:defRPr/>
+            </a:pPr>
+            <a:endParaRPr lang="zh-CN" altLang="en-US" sz="1000" dirty="0">
+              <a:solidFill>
+                <a:schemeClr val="bg1"/>
+              </a:solidFill>
+              <a:latin typeface="+mn-ea"/>
+            </a:endParaRPr>
+          </a:p>
+        </p:txBody>
+      </p:sp>
+      <p:sp>
+        <p:nvSpPr>
+          <p:cNvPr id="18" name="矩形 4"/>
+          <p:cNvSpPr/>
+          <p:nvPr/>
+        </p:nvSpPr>
+        <p:spPr>
+          <a:xfrm>
+            <a:off x="7276697" y="3087185"/>
+            <a:ext cx="2236510" cy="492443"/>
+          </a:xfrm>
+          <a:prstGeom prst="rect">
+            <a:avLst/>
+          </a:prstGeom>
+        </p:spPr>
+        <p:txBody>
+          <a:bodyPr wrap="none">
+            <a:spAutoFit/>
+          </a:bodyPr>
+          <a:lstStyle/>
+          <a:p>
+            <a:pPr defTabSz="1219170">
+              <a:lnSpc>
+                <a:spcPct val="130000"/>
+              </a:lnSpc>
+              <a:defRPr/>
+            </a:pPr>
+            <a:r>
+              <a:rPr lang="zh-CN" altLang="en-US" sz="2000" b="1" kern="0" dirty="0">
+                <a:solidFill>
+                  <a:schemeClr val="bg1"/>
+                </a:solidFill>
+              </a:rPr>
+              <a:t>教程三步（看云）</a:t>
+            </a:r>
+            <a:endParaRPr lang="en-US" altLang="zh-CN" sz="2000" b="1" kern="0" dirty="0">
+              <a:solidFill>
+                <a:schemeClr val="bg1"/>
+              </a:solidFill>
+            </a:endParaRPr>
+          </a:p>
+        </p:txBody>
+      </p:sp>
+      <p:sp>
+        <p:nvSpPr>
+          <p:cNvPr id="28" name="矩形 27"/>
           <p:cNvSpPr/>
           <p:nvPr/>
         </p:nvSpPr>
@@ -35609,60 +36277,10 @@
           </a:p>
         </p:txBody>
       </p:sp>
-      <p:sp>
-        <p:nvSpPr>
-          <p:cNvPr id="20" name="矩形 3"/>
-          <p:cNvSpPr/>
-          <p:nvPr/>
-        </p:nvSpPr>
-        <p:spPr>
-          <a:xfrm>
-            <a:off x="1867852" y="5274349"/>
-            <a:ext cx="8456294" cy="732508"/>
-          </a:xfrm>
-          <a:prstGeom prst="rect">
-            <a:avLst/>
-          </a:prstGeom>
-        </p:spPr>
-        <p:txBody>
-          <a:bodyPr wrap="square">
-            <a:spAutoFit/>
-          </a:bodyPr>
-          <a:lstStyle/>
-          <a:p>
-            <a:pPr lvl="0" algn="ctr">
-              <a:lnSpc>
-                <a:spcPct val="130000"/>
-              </a:lnSpc>
-            </a:pPr>
-            <a:r>
-              <a:rPr lang="zh-CN" altLang="en-US" sz="1600" dirty="0">
-                <a:latin typeface="+mn-ea"/>
-              </a:rPr>
-              <a:t>机械解放了靠肉身操作物体的我们，计算机解放了靠大脑来计算数据我们。曾经我们是靠人脑来学习关联。</a:t>
-            </a:r>
-            <a:r>
-              <a:rPr lang="zh-CN" altLang="en-US" sz="1600" b="1" dirty="0">
-                <a:solidFill>
-                  <a:srgbClr val="FF0000"/>
-                </a:solidFill>
-                <a:latin typeface="+mn-ea"/>
-              </a:rPr>
-              <a:t>而目前的人工智能可以解放靠人脑学习关联的我们</a:t>
-            </a:r>
-            <a:r>
-              <a:rPr lang="zh-CN" altLang="en-US" sz="1600" dirty="0">
-                <a:latin typeface="+mn-ea"/>
-              </a:rPr>
-              <a:t>。</a:t>
-            </a:r>
-          </a:p>
-        </p:txBody>
-      </p:sp>
     </p:spTree>
     <p:extLst>
       <p:ext uri="{BB962C8B-B14F-4D97-AF65-F5344CB8AC3E}">
-        <p14:creationId xmlns:p14="http://schemas.microsoft.com/office/powerpoint/2010/main" val="4274442462"/>
+        <p14:creationId xmlns:p14="http://schemas.microsoft.com/office/powerpoint/2010/main" val="884176152"/>
       </p:ext>
     </p:extLst>
   </p:cSld>
@@ -35708,25 +36326,419 @@
             <a:spLocks noGrp="1"/>
           </p:cNvSpPr>
           <p:nvPr>
-            <p:ph type="body" sz="quarter" idx="10"/>
+            <p:ph type="body" sz="quarter" idx="11"/>
           </p:nvPr>
         </p:nvSpPr>
-        <p:spPr/>
+        <p:spPr>
+          <a:xfrm>
+            <a:off x="3570514" y="240707"/>
+            <a:ext cx="5050972" cy="584775"/>
+          </a:xfrm>
+        </p:spPr>
         <p:txBody>
           <a:bodyPr/>
           <a:lstStyle/>
           <a:p>
             <a:r>
-              <a:rPr lang="en-US" altLang="zh-CN" dirty="0"/>
-              <a:t>Thank You</a:t>
-            </a:r>
-            <a:endParaRPr lang="en-US" dirty="0"/>
-          </a:p>
-        </p:txBody>
-      </p:sp>
-      <p:sp>
-        <p:nvSpPr>
-          <p:cNvPr id="5" name="矩形 4"/>
+              <a:rPr lang="zh-CN" altLang="en-US" dirty="0"/>
+              <a:t>人工智能对我们的影响</a:t>
+            </a:r>
+          </a:p>
+        </p:txBody>
+      </p:sp>
+      <p:pic>
+        <p:nvPicPr>
+          <p:cNvPr id="5" name="Picture 2"/>
+          <p:cNvPicPr>
+            <a:picLocks noChangeAspect="1" noChangeArrowheads="1"/>
+          </p:cNvPicPr>
+          <p:nvPr/>
+        </p:nvPicPr>
+        <p:blipFill>
+          <a:blip r:embed="rId2"/>
+          <a:stretch>
+            <a:fillRect/>
+          </a:stretch>
+        </p:blipFill>
+        <p:spPr bwMode="auto">
+          <a:xfrm>
+            <a:off x="1197076" y="2109649"/>
+            <a:ext cx="2461964" cy="2325189"/>
+          </a:xfrm>
+          <a:prstGeom prst="rect">
+            <a:avLst/>
+          </a:prstGeom>
+          <a:noFill/>
+          <a:extLst>
+            <a:ext uri="{909E8E84-426E-40DD-AFC4-6F175D3DCCD1}">
+              <a14:hiddenFill xmlns:a14="http://schemas.microsoft.com/office/drawing/2010/main">
+                <a:solidFill>
+                  <a:srgbClr val="FFFFFF"/>
+                </a:solidFill>
+              </a14:hiddenFill>
+            </a:ext>
+          </a:extLst>
+        </p:spPr>
+      </p:pic>
+      <p:pic>
+        <p:nvPicPr>
+          <p:cNvPr id="6" name="Picture 2"/>
+          <p:cNvPicPr>
+            <a:picLocks noChangeAspect="1" noChangeArrowheads="1"/>
+          </p:cNvPicPr>
+          <p:nvPr/>
+        </p:nvPicPr>
+        <p:blipFill>
+          <a:blip r:embed="rId3"/>
+          <a:stretch>
+            <a:fillRect/>
+          </a:stretch>
+        </p:blipFill>
+        <p:spPr bwMode="auto">
+          <a:xfrm>
+            <a:off x="4718518" y="2109649"/>
+            <a:ext cx="2754963" cy="2325189"/>
+          </a:xfrm>
+          <a:prstGeom prst="rect">
+            <a:avLst/>
+          </a:prstGeom>
+          <a:noFill/>
+          <a:extLst>
+            <a:ext uri="{909E8E84-426E-40DD-AFC4-6F175D3DCCD1}">
+              <a14:hiddenFill xmlns:a14="http://schemas.microsoft.com/office/drawing/2010/main">
+                <a:solidFill>
+                  <a:srgbClr val="FFFFFF"/>
+                </a:solidFill>
+              </a14:hiddenFill>
+            </a:ext>
+          </a:extLst>
+        </p:spPr>
+      </p:pic>
+      <p:pic>
+        <p:nvPicPr>
+          <p:cNvPr id="7" name="Picture 2"/>
+          <p:cNvPicPr>
+            <a:picLocks noChangeAspect="1" noChangeArrowheads="1"/>
+          </p:cNvPicPr>
+          <p:nvPr/>
+        </p:nvPicPr>
+        <p:blipFill>
+          <a:blip r:embed="rId4"/>
+          <a:stretch>
+            <a:fillRect/>
+          </a:stretch>
+        </p:blipFill>
+        <p:spPr bwMode="auto">
+          <a:xfrm>
+            <a:off x="8020050" y="2109649"/>
+            <a:ext cx="3487783" cy="2325189"/>
+          </a:xfrm>
+          <a:prstGeom prst="rect">
+            <a:avLst/>
+          </a:prstGeom>
+          <a:noFill/>
+          <a:extLst>
+            <a:ext uri="{909E8E84-426E-40DD-AFC4-6F175D3DCCD1}">
+              <a14:hiddenFill xmlns:a14="http://schemas.microsoft.com/office/drawing/2010/main">
+                <a:solidFill>
+                  <a:srgbClr val="FFFFFF"/>
+                </a:solidFill>
+              </a14:hiddenFill>
+            </a:ext>
+          </a:extLst>
+        </p:spPr>
+      </p:pic>
+      <p:sp>
+        <p:nvSpPr>
+          <p:cNvPr id="8" name="Rectangle 7"/>
+          <p:cNvSpPr/>
+          <p:nvPr/>
+        </p:nvSpPr>
+        <p:spPr>
+          <a:xfrm>
+            <a:off x="1069521" y="4376056"/>
+            <a:ext cx="2717074" cy="111034"/>
+          </a:xfrm>
+          <a:prstGeom prst="rect">
+            <a:avLst/>
+          </a:prstGeom>
+          <a:solidFill>
+            <a:schemeClr val="accent1"/>
+          </a:solidFill>
+          <a:ln>
+            <a:noFill/>
+          </a:ln>
+        </p:spPr>
+        <p:style>
+          <a:lnRef idx="2">
+            <a:schemeClr val="accent1">
+              <a:shade val="50000"/>
+            </a:schemeClr>
+          </a:lnRef>
+          <a:fillRef idx="1">
+            <a:schemeClr val="accent1"/>
+          </a:fillRef>
+          <a:effectRef idx="0">
+            <a:schemeClr val="accent1"/>
+          </a:effectRef>
+          <a:fontRef idx="minor">
+            <a:schemeClr val="lt1"/>
+          </a:fontRef>
+        </p:style>
+        <p:txBody>
+          <a:bodyPr rtlCol="0" anchor="ctr"/>
+          <a:lstStyle/>
+          <a:p>
+            <a:pPr algn="ctr">
+              <a:lnSpc>
+                <a:spcPct val="130000"/>
+              </a:lnSpc>
+            </a:pPr>
+            <a:endParaRPr lang="en-US" sz="1200" dirty="0">
+              <a:latin typeface="微软雅黑" panose="020B0503020204020204" pitchFamily="34" charset="-122"/>
+              <a:ea typeface="微软雅黑" panose="020B0503020204020204" pitchFamily="34" charset="-122"/>
+            </a:endParaRPr>
+          </a:p>
+        </p:txBody>
+      </p:sp>
+      <p:sp>
+        <p:nvSpPr>
+          <p:cNvPr id="9" name="Rectangle 8"/>
+          <p:cNvSpPr/>
+          <p:nvPr/>
+        </p:nvSpPr>
+        <p:spPr>
+          <a:xfrm>
+            <a:off x="4737463" y="4376056"/>
+            <a:ext cx="2717074" cy="111034"/>
+          </a:xfrm>
+          <a:prstGeom prst="rect">
+            <a:avLst/>
+          </a:prstGeom>
+          <a:solidFill>
+            <a:schemeClr val="accent1"/>
+          </a:solidFill>
+          <a:ln>
+            <a:noFill/>
+          </a:ln>
+        </p:spPr>
+        <p:style>
+          <a:lnRef idx="2">
+            <a:schemeClr val="accent1">
+              <a:shade val="50000"/>
+            </a:schemeClr>
+          </a:lnRef>
+          <a:fillRef idx="1">
+            <a:schemeClr val="accent1"/>
+          </a:fillRef>
+          <a:effectRef idx="0">
+            <a:schemeClr val="accent1"/>
+          </a:effectRef>
+          <a:fontRef idx="minor">
+            <a:schemeClr val="lt1"/>
+          </a:fontRef>
+        </p:style>
+        <p:txBody>
+          <a:bodyPr rtlCol="0" anchor="ctr"/>
+          <a:lstStyle/>
+          <a:p>
+            <a:pPr algn="ctr">
+              <a:lnSpc>
+                <a:spcPct val="130000"/>
+              </a:lnSpc>
+            </a:pPr>
+            <a:endParaRPr lang="en-US" sz="1200" dirty="0">
+              <a:latin typeface="微软雅黑" panose="020B0503020204020204" pitchFamily="34" charset="-122"/>
+              <a:ea typeface="微软雅黑" panose="020B0503020204020204" pitchFamily="34" charset="-122"/>
+            </a:endParaRPr>
+          </a:p>
+        </p:txBody>
+      </p:sp>
+      <p:sp>
+        <p:nvSpPr>
+          <p:cNvPr id="10" name="Rectangle 9"/>
+          <p:cNvSpPr/>
+          <p:nvPr/>
+        </p:nvSpPr>
+        <p:spPr>
+          <a:xfrm>
+            <a:off x="8405405" y="4376056"/>
+            <a:ext cx="2717074" cy="111034"/>
+          </a:xfrm>
+          <a:prstGeom prst="rect">
+            <a:avLst/>
+          </a:prstGeom>
+          <a:solidFill>
+            <a:schemeClr val="accent1"/>
+          </a:solidFill>
+          <a:ln>
+            <a:noFill/>
+          </a:ln>
+        </p:spPr>
+        <p:style>
+          <a:lnRef idx="2">
+            <a:schemeClr val="accent1">
+              <a:shade val="50000"/>
+            </a:schemeClr>
+          </a:lnRef>
+          <a:fillRef idx="1">
+            <a:schemeClr val="accent1"/>
+          </a:fillRef>
+          <a:effectRef idx="0">
+            <a:schemeClr val="accent1"/>
+          </a:effectRef>
+          <a:fontRef idx="minor">
+            <a:schemeClr val="lt1"/>
+          </a:fontRef>
+        </p:style>
+        <p:txBody>
+          <a:bodyPr rtlCol="0" anchor="ctr"/>
+          <a:lstStyle/>
+          <a:p>
+            <a:pPr algn="ctr">
+              <a:lnSpc>
+                <a:spcPct val="130000"/>
+              </a:lnSpc>
+            </a:pPr>
+            <a:endParaRPr lang="en-US" sz="1200" dirty="0">
+              <a:latin typeface="微软雅黑" panose="020B0503020204020204" pitchFamily="34" charset="-122"/>
+              <a:ea typeface="微软雅黑" panose="020B0503020204020204" pitchFamily="34" charset="-122"/>
+            </a:endParaRPr>
+          </a:p>
+        </p:txBody>
+      </p:sp>
+      <p:sp>
+        <p:nvSpPr>
+          <p:cNvPr id="12" name="矩形 4"/>
+          <p:cNvSpPr/>
+          <p:nvPr/>
+        </p:nvSpPr>
+        <p:spPr>
+          <a:xfrm>
+            <a:off x="1412395" y="4514350"/>
+            <a:ext cx="2031325" cy="572464"/>
+          </a:xfrm>
+          <a:prstGeom prst="rect">
+            <a:avLst/>
+          </a:prstGeom>
+        </p:spPr>
+        <p:txBody>
+          <a:bodyPr wrap="none">
+            <a:spAutoFit/>
+          </a:bodyPr>
+          <a:lstStyle/>
+          <a:p>
+            <a:pPr algn="ctr" defTabSz="1219170">
+              <a:lnSpc>
+                <a:spcPct val="130000"/>
+              </a:lnSpc>
+              <a:defRPr/>
+            </a:pPr>
+            <a:r>
+              <a:rPr lang="zh-CN" altLang="en-US" sz="2400" b="1" kern="0" dirty="0">
+                <a:solidFill>
+                  <a:schemeClr val="accent2"/>
+                </a:solidFill>
+              </a:rPr>
+              <a:t>帮助操作物体</a:t>
+            </a:r>
+            <a:endParaRPr lang="en-US" altLang="zh-CN" sz="2400" b="1" kern="0" dirty="0">
+              <a:solidFill>
+                <a:schemeClr val="accent2"/>
+              </a:solidFill>
+            </a:endParaRPr>
+          </a:p>
+        </p:txBody>
+      </p:sp>
+      <p:sp>
+        <p:nvSpPr>
+          <p:cNvPr id="14" name="矩形 4"/>
+          <p:cNvSpPr/>
+          <p:nvPr/>
+        </p:nvSpPr>
+        <p:spPr>
+          <a:xfrm>
+            <a:off x="5080337" y="4514350"/>
+            <a:ext cx="2031325" cy="572464"/>
+          </a:xfrm>
+          <a:prstGeom prst="rect">
+            <a:avLst/>
+          </a:prstGeom>
+        </p:spPr>
+        <p:txBody>
+          <a:bodyPr wrap="none">
+            <a:spAutoFit/>
+          </a:bodyPr>
+          <a:lstStyle/>
+          <a:p>
+            <a:pPr algn="ctr" defTabSz="1219170">
+              <a:lnSpc>
+                <a:spcPct val="130000"/>
+              </a:lnSpc>
+              <a:defRPr/>
+            </a:pPr>
+            <a:r>
+              <a:rPr lang="zh-CN" altLang="en-US" sz="2400" b="1" kern="0" dirty="0">
+                <a:solidFill>
+                  <a:schemeClr val="accent2"/>
+                </a:solidFill>
+              </a:rPr>
+              <a:t>帮助操作数据</a:t>
+            </a:r>
+            <a:endParaRPr lang="en-US" altLang="zh-CN" sz="2400" b="1" kern="0" dirty="0">
+              <a:solidFill>
+                <a:schemeClr val="accent2"/>
+              </a:solidFill>
+            </a:endParaRPr>
+          </a:p>
+        </p:txBody>
+      </p:sp>
+      <p:sp>
+        <p:nvSpPr>
+          <p:cNvPr id="16" name="矩形 4"/>
+          <p:cNvSpPr/>
+          <p:nvPr/>
+        </p:nvSpPr>
+        <p:spPr>
+          <a:xfrm>
+            <a:off x="8748280" y="4514350"/>
+            <a:ext cx="2031325" cy="572464"/>
+          </a:xfrm>
+          <a:prstGeom prst="rect">
+            <a:avLst/>
+          </a:prstGeom>
+        </p:spPr>
+        <p:txBody>
+          <a:bodyPr wrap="none">
+            <a:spAutoFit/>
+          </a:bodyPr>
+          <a:lstStyle/>
+          <a:p>
+            <a:pPr algn="ctr" defTabSz="1219170">
+              <a:lnSpc>
+                <a:spcPct val="130000"/>
+              </a:lnSpc>
+              <a:defRPr/>
+            </a:pPr>
+            <a:r>
+              <a:rPr lang="zh-CN" altLang="en-US" sz="2400" b="1" kern="0" dirty="0">
+                <a:solidFill>
+                  <a:schemeClr val="accent2"/>
+                </a:solidFill>
+              </a:rPr>
+              <a:t>帮助建立关联</a:t>
+            </a:r>
+            <a:endParaRPr lang="en-US" altLang="zh-CN" sz="2400" b="1" kern="0" dirty="0">
+              <a:solidFill>
+                <a:schemeClr val="accent2"/>
+              </a:solidFill>
+            </a:endParaRPr>
+          </a:p>
+        </p:txBody>
+      </p:sp>
+      <p:sp>
+        <p:nvSpPr>
+          <p:cNvPr id="19" name="矩形 18"/>
           <p:cNvSpPr/>
           <p:nvPr/>
         </p:nvSpPr>
@@ -35788,31 +36800,58 @@
       </p:sp>
       <p:sp>
         <p:nvSpPr>
-          <p:cNvPr id="6" name="文本占位符 5"/>
-          <p:cNvSpPr>
-            <a:spLocks noGrp="1"/>
-          </p:cNvSpPr>
-          <p:nvPr>
-            <p:ph type="body" sz="quarter" idx="11"/>
-          </p:nvPr>
-        </p:nvSpPr>
-        <p:spPr/>
-        <p:txBody>
-          <a:bodyPr/>
+          <p:cNvPr id="20" name="矩形 3"/>
+          <p:cNvSpPr/>
+          <p:nvPr/>
+        </p:nvSpPr>
+        <p:spPr>
+          <a:xfrm>
+            <a:off x="1867852" y="5274349"/>
+            <a:ext cx="8456294" cy="732508"/>
+          </a:xfrm>
+          <a:prstGeom prst="rect">
+            <a:avLst/>
+          </a:prstGeom>
+        </p:spPr>
+        <p:txBody>
+          <a:bodyPr wrap="square">
+            <a:spAutoFit/>
+          </a:bodyPr>
           <a:lstStyle/>
           <a:p>
-            <a:r>
-              <a:rPr lang="ja-JP" altLang="en-US" dirty="0"/>
-              <a:t>ありがとうございました。</a:t>
-            </a:r>
-            <a:endParaRPr lang="zh-CN" altLang="en-US" dirty="0"/>
+            <a:pPr lvl="0" algn="ctr">
+              <a:lnSpc>
+                <a:spcPct val="130000"/>
+              </a:lnSpc>
+            </a:pPr>
+            <a:r>
+              <a:rPr lang="zh-CN" altLang="en-US" sz="1600" dirty="0">
+                <a:latin typeface="+mn-ea"/>
+              </a:rPr>
+              <a:t>机械解放了靠肉身操作物体的我们，计算机解放了靠大脑来计算数据我们。曾经我们是靠人脑来学习关联。</a:t>
+            </a:r>
+            <a:r>
+              <a:rPr lang="zh-CN" altLang="en-US" sz="1600" b="1" dirty="0">
+                <a:solidFill>
+                  <a:srgbClr val="FF0000"/>
+                </a:solidFill>
+                <a:latin typeface="+mn-ea"/>
+              </a:rPr>
+              <a:t>而目前的人工智能可以解放靠人脑学习关联的我们</a:t>
+            </a:r>
+            <a:r>
+              <a:rPr lang="zh-CN" altLang="en-US" sz="1600" dirty="0">
+                <a:latin typeface="+mn-ea"/>
+              </a:rPr>
+              <a:t>。</a:t>
+            </a:r>
           </a:p>
         </p:txBody>
       </p:sp>
     </p:spTree>
     <p:extLst>
       <p:ext uri="{BB962C8B-B14F-4D97-AF65-F5344CB8AC3E}">
-        <p14:creationId xmlns:p14="http://schemas.microsoft.com/office/powerpoint/2010/main" val="3370590251"/>
+        <p14:creationId xmlns:p14="http://schemas.microsoft.com/office/powerpoint/2010/main" val="4274442462"/>
       </p:ext>
     </p:extLst>
   </p:cSld>
@@ -35882,6 +36921,156 @@
     <p:extLst>
       <p:ext uri="{BB962C8B-B14F-4D97-AF65-F5344CB8AC3E}">
         <p14:creationId xmlns:p14="http://schemas.microsoft.com/office/powerpoint/2010/main" val="3804673755"/>
+      </p:ext>
+    </p:extLst>
+  </p:cSld>
+  <p:clrMapOvr>
+    <a:masterClrMapping/>
+  </p:clrMapOvr>
+  <mc:AlternateContent xmlns:mc="http://schemas.openxmlformats.org/markup-compatibility/2006" xmlns:p14="http://schemas.microsoft.com/office/powerpoint/2010/main">
+    <mc:Choice Requires="p14">
+      <p:transition spd="med" p14:dur="700">
+        <p:fade/>
+      </p:transition>
+    </mc:Choice>
+    <mc:Fallback xmlns="">
+      <p:transition spd="med">
+        <p:fade/>
+      </p:transition>
+    </mc:Fallback>
+  </mc:AlternateContent>
+</p:sld>
+</file>
+
+<file path=ppt/slides/slide30.xml><?xml version="1.0" encoding="utf-8"?>
+<p:sld xmlns:a="http://schemas.openxmlformats.org/drawingml/2006/main" xmlns:r="http://schemas.openxmlformats.org/officeDocument/2006/relationships" xmlns:p="http://schemas.openxmlformats.org/presentationml/2006/main">
+  <p:cSld>
+    <p:spTree>
+      <p:nvGrpSpPr>
+        <p:cNvPr id="1" name=""/>
+        <p:cNvGrpSpPr/>
+        <p:nvPr/>
+      </p:nvGrpSpPr>
+      <p:grpSpPr>
+        <a:xfrm>
+          <a:off x="0" y="0"/>
+          <a:ext cx="0" cy="0"/>
+          <a:chOff x="0" y="0"/>
+          <a:chExt cx="0" cy="0"/>
+        </a:xfrm>
+      </p:grpSpPr>
+      <p:sp>
+        <p:nvSpPr>
+          <p:cNvPr id="2" name="Text Placeholder 1"/>
+          <p:cNvSpPr>
+            <a:spLocks noGrp="1"/>
+          </p:cNvSpPr>
+          <p:nvPr>
+            <p:ph type="body" sz="quarter" idx="10"/>
+          </p:nvPr>
+        </p:nvSpPr>
+        <p:spPr/>
+        <p:txBody>
+          <a:bodyPr/>
+          <a:lstStyle/>
+          <a:p>
+            <a:r>
+              <a:rPr lang="en-US" altLang="zh-CN" dirty="0"/>
+              <a:t>Thank You</a:t>
+            </a:r>
+            <a:endParaRPr lang="en-US" dirty="0"/>
+          </a:p>
+        </p:txBody>
+      </p:sp>
+      <p:sp>
+        <p:nvSpPr>
+          <p:cNvPr id="5" name="矩形 4"/>
+          <p:cNvSpPr/>
+          <p:nvPr/>
+        </p:nvSpPr>
+        <p:spPr>
+          <a:xfrm>
+            <a:off x="9924458" y="6465546"/>
+            <a:ext cx="1889590" cy="369332"/>
+          </a:xfrm>
+          <a:prstGeom prst="rect">
+            <a:avLst/>
+          </a:prstGeom>
+        </p:spPr>
+        <p:txBody>
+          <a:bodyPr wrap="square">
+            <a:spAutoFit/>
+          </a:bodyPr>
+          <a:lstStyle/>
+          <a:p>
+            <a:pPr algn="ctr"/>
+            <a:r>
+              <a:rPr lang="en-US" altLang="zh-CN" b="1" dirty="0">
+                <a:ln w="6600">
+                  <a:solidFill>
+                    <a:schemeClr val="accent2"/>
+                  </a:solidFill>
+                  <a:prstDash val="solid"/>
+                </a:ln>
+                <a:solidFill>
+                  <a:srgbClr val="FFFFFF"/>
+                </a:solidFill>
+                <a:effectLst>
+                  <a:outerShdw dist="38100" dir="2700000" algn="tl" rotWithShape="0">
+                    <a:schemeClr val="accent2"/>
+                  </a:outerShdw>
+                </a:effectLst>
+                <a:latin typeface="Castellar" panose="020A0402060406010301" pitchFamily="18" charset="0"/>
+              </a:rPr>
+              <a:t>Y Jango</a:t>
+            </a:r>
+            <a:endParaRPr lang="zh-CN" altLang="en-US" b="1" dirty="0">
+              <a:ln w="6600">
+                <a:solidFill>
+                  <a:schemeClr val="accent2"/>
+                </a:solidFill>
+                <a:prstDash val="solid"/>
+              </a:ln>
+              <a:solidFill>
+                <a:srgbClr val="FFFFFF"/>
+              </a:solidFill>
+              <a:effectLst>
+                <a:outerShdw dist="38100" dir="2700000" algn="tl" rotWithShape="0">
+                  <a:schemeClr val="accent2"/>
+                </a:outerShdw>
+              </a:effectLst>
+              <a:latin typeface="Castellar" panose="020A0402060406010301" pitchFamily="18" charset="0"/>
+            </a:endParaRPr>
+          </a:p>
+        </p:txBody>
+      </p:sp>
+      <p:sp>
+        <p:nvSpPr>
+          <p:cNvPr id="6" name="文本占位符 5"/>
+          <p:cNvSpPr>
+            <a:spLocks noGrp="1"/>
+          </p:cNvSpPr>
+          <p:nvPr>
+            <p:ph type="body" sz="quarter" idx="11"/>
+          </p:nvPr>
+        </p:nvSpPr>
+        <p:spPr/>
+        <p:txBody>
+          <a:bodyPr/>
+          <a:lstStyle/>
+          <a:p>
+            <a:r>
+              <a:rPr lang="ja-JP" altLang="en-US" dirty="0"/>
+              <a:t>ありがとうございました。</a:t>
+            </a:r>
+            <a:endParaRPr lang="zh-CN" altLang="en-US" dirty="0"/>
+          </a:p>
+        </p:txBody>
+      </p:sp>
+    </p:spTree>
+    <p:extLst>
+      <p:ext uri="{BB962C8B-B14F-4D97-AF65-F5344CB8AC3E}">
+        <p14:creationId xmlns:p14="http://schemas.microsoft.com/office/powerpoint/2010/main" val="3370590251"/>
       </p:ext>
     </p:extLst>
   </p:cSld>
